--- a/Examples/src/main/resources/com/aspose/slides/examples/ActiveXControls/AddingMediaPlayerActiveXControlInSlides/Output.pptx
+++ b/Examples/src/main/resources/com/aspose/slides/examples/ActiveXControls/AddingMediaPlayerActiveXControlInSlides/Output.pptx
@@ -1,6 +1,6 @@
 
 <file path=ppt/presentation.xml><?xml version="1.0" encoding="utf-8"?>
-<!--Generated by Aspose.Slides for Java 16.4.0.0-->
+<!--Generated by Aspose.Slides for Java 16.5.0.0-->
 <p:presentation xmlns:r="http://schemas.openxmlformats.org/officeDocument/2006/relationships" xmlns:a="http://schemas.openxmlformats.org/drawingml/2006/main" xmlns:p="http://schemas.openxmlformats.org/presentationml/2006/main" saveSubsetFonts="1">
   <p:sldMasterIdLst>
     <p:sldMasterId id="2147483648" r:id="rId1"/>
@@ -308,9 +308,9 @@
           <a:bodyPr/>
           <a:lstStyle/>
           <a:p>
-            <a:fld id="{E8FD0B7A-F5DD-4F40-B4CB-3B2C354B893A}" type="datetimeFigureOut">
-              <a:rPr lang="en-US" smtClean="0" smtId="4294967295"/>
-              <a:t>Date</a:t>
+            <a:fld id="{873E2A09-E2F5-48A0-88E1-48BC818C7B0D}" type="datetimeFigureOut">
+              <a:rPr lang="en-US" smtClean="0" smtId="4294967295"/>
+              <a:t>11/7/2009</a:t>
             </a:fld>
             <a:endParaRPr lang="en-US" smtId="4294967295"/>
           </a:p>
@@ -472,9 +472,9 @@
           <a:bodyPr/>
           <a:lstStyle/>
           <a:p>
-            <a:fld id="{E8FD0B7A-F5DD-4F40-B4CB-3B2C354B893A}" type="datetimeFigureOut">
-              <a:rPr lang="en-US" smtClean="0" smtId="4294967295"/>
-              <a:t>Date</a:t>
+            <a:fld id="{C91A5AC5-0B6F-4C0A-967C-12001C267496}" type="datetimeFigureOut">
+              <a:rPr lang="en-US" smtClean="0" smtId="4294967295"/>
+              <a:t>11/7/2009</a:t>
             </a:fld>
             <a:endParaRPr lang="en-US" smtId="4294967295"/>
           </a:p>
@@ -636,9 +636,9 @@
           <a:bodyPr/>
           <a:lstStyle/>
           <a:p>
-            <a:fld id="{E8FD0B7A-F5DD-4F40-B4CB-3B2C354B893A}" type="datetimeFigureOut">
-              <a:rPr lang="en-US" smtClean="0" smtId="4294967295"/>
-              <a:t>Date</a:t>
+            <a:fld id="{1C9E1A3E-4303-4E46-B3BA-F8AE5B14DBE4}" type="datetimeFigureOut">
+              <a:rPr lang="en-US" smtClean="0" smtId="4294967295"/>
+              <a:t>11/7/2009</a:t>
             </a:fld>
             <a:endParaRPr lang="en-US" smtId="4294967295"/>
           </a:p>
@@ -800,9 +800,9 @@
           <a:bodyPr/>
           <a:lstStyle/>
           <a:p>
-            <a:fld id="{E8FD0B7A-F5DD-4F40-B4CB-3B2C354B893A}" type="datetimeFigureOut">
-              <a:rPr lang="en-US" smtClean="0" smtId="4294967295"/>
-              <a:t>Date</a:t>
+            <a:fld id="{BA623483-08D1-4571-A7BB-DF11927A966B}" type="datetimeFigureOut">
+              <a:rPr lang="en-US" smtClean="0" smtId="4294967295"/>
+              <a:t>11/7/2009</a:t>
             </a:fld>
             <a:endParaRPr lang="en-US" smtId="4294967295"/>
           </a:p>
@@ -1030,9 +1030,9 @@
           <a:bodyPr/>
           <a:lstStyle/>
           <a:p>
-            <a:fld id="{E8FD0B7A-F5DD-4F40-B4CB-3B2C354B893A}" type="datetimeFigureOut">
-              <a:rPr lang="en-US" smtClean="0" smtId="4294967295"/>
-              <a:t>Date</a:t>
+            <a:fld id="{3DD85DE0-172C-47DE-8177-CF7CA4C476E6}" type="datetimeFigureOut">
+              <a:rPr lang="en-US" smtClean="0" smtId="4294967295"/>
+              <a:t>11/7/2009</a:t>
             </a:fld>
             <a:endParaRPr lang="en-US" smtId="4294967295"/>
           </a:p>
@@ -1301,9 +1301,9 @@
           <a:bodyPr/>
           <a:lstStyle/>
           <a:p>
-            <a:fld id="{E8FD0B7A-F5DD-4F40-B4CB-3B2C354B893A}" type="datetimeFigureOut">
-              <a:rPr lang="en-US" smtClean="0" smtId="4294967295"/>
-              <a:t>Date</a:t>
+            <a:fld id="{FB3D3D9B-32CD-4E0D-97E7-6CEB26411BB2}" type="datetimeFigureOut">
+              <a:rPr lang="en-US" smtClean="0" smtId="4294967295"/>
+              <a:t>11/7/2009</a:t>
             </a:fld>
             <a:endParaRPr lang="en-US" smtId="4294967295"/>
           </a:p>
@@ -1690,9 +1690,9 @@
           <a:bodyPr/>
           <a:lstStyle/>
           <a:p>
-            <a:fld id="{E8FD0B7A-F5DD-4F40-B4CB-3B2C354B893A}" type="datetimeFigureOut">
-              <a:rPr lang="en-US" smtClean="0" smtId="4294967295"/>
-              <a:t>Date</a:t>
+            <a:fld id="{2249167E-B328-4672-83D6-F43E8AFE08E0}" type="datetimeFigureOut">
+              <a:rPr lang="en-US" smtClean="0" smtId="4294967295"/>
+              <a:t>11/7/2009</a:t>
             </a:fld>
             <a:endParaRPr lang="en-US" smtId="4294967295"/>
           </a:p>
@@ -1803,9 +1803,9 @@
           <a:bodyPr/>
           <a:lstStyle/>
           <a:p>
-            <a:fld id="{E8FD0B7A-F5DD-4F40-B4CB-3B2C354B893A}" type="datetimeFigureOut">
-              <a:rPr lang="en-US" smtClean="0" smtId="4294967295"/>
-              <a:t>Date</a:t>
+            <a:fld id="{7E7110E0-14B6-4A2D-9036-851B33674662}" type="datetimeFigureOut">
+              <a:rPr lang="en-US" smtClean="0" smtId="4294967295"/>
+              <a:t>11/7/2009</a:t>
             </a:fld>
             <a:endParaRPr lang="en-US" smtId="4294967295"/>
           </a:p>
@@ -1893,9 +1893,9 @@
           <a:bodyPr/>
           <a:lstStyle/>
           <a:p>
-            <a:fld id="{E8FD0B7A-F5DD-4F40-B4CB-3B2C354B893A}" type="datetimeFigureOut">
-              <a:rPr lang="en-US" smtClean="0" smtId="4294967295"/>
-              <a:t>Date</a:t>
+            <a:fld id="{5212FB04-2050-4FD3-A765-8CFAC511AD93}" type="datetimeFigureOut">
+              <a:rPr lang="en-US" smtClean="0" smtId="4294967295"/>
+              <a:t>11/7/2009</a:t>
             </a:fld>
             <a:endParaRPr lang="en-US" smtId="4294967295"/>
           </a:p>
@@ -2148,9 +2148,9 @@
           <a:bodyPr/>
           <a:lstStyle/>
           <a:p>
-            <a:fld id="{E8FD0B7A-F5DD-4F40-B4CB-3B2C354B893A}" type="datetimeFigureOut">
-              <a:rPr lang="en-US" smtClean="0" smtId="4294967295"/>
-              <a:t>Date</a:t>
+            <a:fld id="{8494480D-BCB7-40CE-8657-6B666EC12FF3}" type="datetimeFigureOut">
+              <a:rPr lang="en-US" smtClean="0" smtId="4294967295"/>
+              <a:t>11/7/2009</a:t>
             </a:fld>
             <a:endParaRPr lang="en-US" smtId="4294967295"/>
           </a:p>
@@ -2380,9 +2380,9 @@
           <a:bodyPr/>
           <a:lstStyle/>
           <a:p>
-            <a:fld id="{E8FD0B7A-F5DD-4F40-B4CB-3B2C354B893A}" type="datetimeFigureOut">
-              <a:rPr lang="en-US" smtClean="0" smtId="4294967295"/>
-              <a:t>Date</a:t>
+            <a:fld id="{BEB2827A-7476-4BEC-9BA3-230365EDB031}" type="datetimeFigureOut">
+              <a:rPr lang="en-US" smtClean="0" smtId="4294967295"/>
+              <a:t>11/7/2009</a:t>
             </a:fld>
             <a:endParaRPr lang="en-US" smtId="4294967295"/>
           </a:p>
@@ -3019,7 +3019,7 @@
           <a:p>
             <a:pPr algn="ctr"/>
             <a:r>
-              <a:t>Created with Aspose.Slides for Java 16.4.0.0.</a:t>
+              <a:t>Created with Aspose.Slides for Java 16.5.0.0.</a:t>
             </a:r>
           </a:p>
           <a:p>
@@ -3077,10 +3077,10 @@
 
 <file path=ppt/tags/tag1.xml><?xml version="1.0" encoding="utf-8"?>
 <p:tagLst xmlns:p="http://schemas.openxmlformats.org/presentationml/2006/main">
-  <p:tag name="AS_OS" val="Microsoft Windows NT 6.3"/>
-  <p:tag name="AS_RELEASE_DATE" val="2016.05.16"/>
+  <p:tag name="AS_OS" val="Mac OS X 10.11 unknown"/>
+  <p:tag name="AS_RELEASE_DATE" val="2016.06.11"/>
   <p:tag name="AS_TITLE" val="Aspose.Slides for Java"/>
-  <p:tag name="AS_VERSION" val="16.4.0.0"/>
+  <p:tag name="AS_VERSION" val="16.5.0.0"/>
 </p:tagLst>
 </file>
 

--- a/Examples/src/main/resources/com/aspose/slides/examples/ActiveXControls/AddingMediaPlayerActiveXControlInSlides/Output.pptx
+++ b/Examples/src/main/resources/com/aspose/slides/examples/ActiveXControls/AddingMediaPlayerActiveXControlInSlides/Output.pptx
@@ -1,6 +1,6 @@
 
 <file path=ppt/presentation.xml><?xml version="1.0" encoding="utf-8"?>
-<!--Generated by Aspose.Slides for Java 16.5.0.0-->
+<!--Generated by Aspose.Slides for Java 17.12-->
 <p:presentation xmlns:r="http://schemas.openxmlformats.org/officeDocument/2006/relationships" xmlns:a="http://schemas.openxmlformats.org/drawingml/2006/main" xmlns:p="http://schemas.openxmlformats.org/presentationml/2006/main" saveSubsetFonts="1">
   <p:sldMasterIdLst>
     <p:sldMasterId id="2147483648" r:id="rId1"/>
@@ -15,10 +15,10 @@
   </p:custDataLst>
   <p:defaultTextStyle>
     <a:defPPr>
-      <a:defRPr lang="en-US" smtId="4294967295"/>
+      <a:defRPr lang="en-US"/>
     </a:defPPr>
     <a:lvl1pPr marL="0" algn="l" defTabSz="914400" rtl="0" eaLnBrk="1" latinLnBrk="0" hangingPunct="1">
-      <a:defRPr sz="1800" kern="1200" smtId="4294967295">
+      <a:defRPr sz="1800" kern="1200">
         <a:solidFill>
           <a:schemeClr val="tx1"/>
         </a:solidFill>
@@ -28,7 +28,7 @@
       </a:defRPr>
     </a:lvl1pPr>
     <a:lvl2pPr marL="457200" algn="l" defTabSz="914400" rtl="0" eaLnBrk="1" latinLnBrk="0" hangingPunct="1">
-      <a:defRPr sz="1800" kern="1200" smtId="4294967295">
+      <a:defRPr sz="1800" kern="1200">
         <a:solidFill>
           <a:schemeClr val="tx1"/>
         </a:solidFill>
@@ -38,7 +38,7 @@
       </a:defRPr>
     </a:lvl2pPr>
     <a:lvl3pPr marL="914400" algn="l" defTabSz="914400" rtl="0" eaLnBrk="1" latinLnBrk="0" hangingPunct="1">
-      <a:defRPr sz="1800" kern="1200" smtId="4294967295">
+      <a:defRPr sz="1800" kern="1200">
         <a:solidFill>
           <a:schemeClr val="tx1"/>
         </a:solidFill>
@@ -48,7 +48,7 @@
       </a:defRPr>
     </a:lvl3pPr>
     <a:lvl4pPr marL="1371600" algn="l" defTabSz="914400" rtl="0" eaLnBrk="1" latinLnBrk="0" hangingPunct="1">
-      <a:defRPr sz="1800" kern="1200" smtId="4294967295">
+      <a:defRPr sz="1800" kern="1200">
         <a:solidFill>
           <a:schemeClr val="tx1"/>
         </a:solidFill>
@@ -58,7 +58,7 @@
       </a:defRPr>
     </a:lvl4pPr>
     <a:lvl5pPr marL="1828800" algn="l" defTabSz="914400" rtl="0" eaLnBrk="1" latinLnBrk="0" hangingPunct="1">
-      <a:defRPr sz="1800" kern="1200" smtId="4294967295">
+      <a:defRPr sz="1800" kern="1200">
         <a:solidFill>
           <a:schemeClr val="tx1"/>
         </a:solidFill>
@@ -68,7 +68,7 @@
       </a:defRPr>
     </a:lvl5pPr>
     <a:lvl6pPr marL="2286000" algn="l" defTabSz="914400" rtl="0" eaLnBrk="1" latinLnBrk="0" hangingPunct="1">
-      <a:defRPr sz="1800" kern="1200" smtId="4294967295">
+      <a:defRPr sz="1800" kern="1200">
         <a:solidFill>
           <a:schemeClr val="tx1"/>
         </a:solidFill>
@@ -78,7 +78,7 @@
       </a:defRPr>
     </a:lvl6pPr>
     <a:lvl7pPr marL="2743200" algn="l" defTabSz="914400" rtl="0" eaLnBrk="1" latinLnBrk="0" hangingPunct="1">
-      <a:defRPr sz="1800" kern="1200" smtId="4294967295">
+      <a:defRPr sz="1800" kern="1200">
         <a:solidFill>
           <a:schemeClr val="tx1"/>
         </a:solidFill>
@@ -88,7 +88,7 @@
       </a:defRPr>
     </a:lvl7pPr>
     <a:lvl8pPr marL="3200400" algn="l" defTabSz="914400" rtl="0" eaLnBrk="1" latinLnBrk="0" hangingPunct="1">
-      <a:defRPr sz="1800" kern="1200" smtId="4294967295">
+      <a:defRPr sz="1800" kern="1200">
         <a:solidFill>
           <a:schemeClr val="tx1"/>
         </a:solidFill>
@@ -98,7 +98,7 @@
       </a:defRPr>
     </a:lvl8pPr>
     <a:lvl9pPr marL="3657600" algn="l" defTabSz="914400" rtl="0" eaLnBrk="1" latinLnBrk="0" hangingPunct="1">
-      <a:defRPr sz="1800" kern="1200" smtId="4294967295">
+      <a:defRPr sz="1800" kern="1200">
         <a:solidFill>
           <a:schemeClr val="tx1"/>
         </a:solidFill>
@@ -172,10 +172,10 @@
           <a:lstStyle/>
           <a:p>
             <a:r>
-              <a:rPr lang="en-US" smtClean="0" smtId="4294967295"/>
+              <a:rPr lang="en-US" smtClean="0"/>
               <a:t>Click to edit Master title style</a:t>
             </a:r>
-            <a:endParaRPr lang="en-US" smtId="4294967295"/>
+            <a:endParaRPr lang="en-US"/>
           </a:p>
         </p:txBody>
       </p:sp>
@@ -195,7 +195,7 @@
           <a:lstStyle>
             <a:lvl1pPr marL="0" indent="0" algn="ctr">
               <a:buNone/>
-              <a:defRPr smtId="4294967295">
+              <a:defRPr>
                 <a:solidFill>
                   <a:schemeClr val="tx1">
                     <a:tint val="75000"/>
@@ -205,7 +205,7 @@
             </a:lvl1pPr>
             <a:lvl2pPr marL="457200" indent="0" algn="ctr">
               <a:buNone/>
-              <a:defRPr smtId="4294967295">
+              <a:defRPr>
                 <a:solidFill>
                   <a:schemeClr val="tx1">
                     <a:tint val="75000"/>
@@ -215,7 +215,7 @@
             </a:lvl2pPr>
             <a:lvl3pPr marL="914400" indent="0" algn="ctr">
               <a:buNone/>
-              <a:defRPr smtId="4294967295">
+              <a:defRPr>
                 <a:solidFill>
                   <a:schemeClr val="tx1">
                     <a:tint val="75000"/>
@@ -225,7 +225,7 @@
             </a:lvl3pPr>
             <a:lvl4pPr marL="1371600" indent="0" algn="ctr">
               <a:buNone/>
-              <a:defRPr smtId="4294967295">
+              <a:defRPr>
                 <a:solidFill>
                   <a:schemeClr val="tx1">
                     <a:tint val="75000"/>
@@ -235,7 +235,7 @@
             </a:lvl4pPr>
             <a:lvl5pPr marL="1828800" indent="0" algn="ctr">
               <a:buNone/>
-              <a:defRPr smtId="4294967295">
+              <a:defRPr>
                 <a:solidFill>
                   <a:schemeClr val="tx1">
                     <a:tint val="75000"/>
@@ -245,7 +245,7 @@
             </a:lvl5pPr>
             <a:lvl6pPr marL="2286000" indent="0" algn="ctr">
               <a:buNone/>
-              <a:defRPr smtId="4294967295">
+              <a:defRPr>
                 <a:solidFill>
                   <a:schemeClr val="tx1">
                     <a:tint val="75000"/>
@@ -255,7 +255,7 @@
             </a:lvl6pPr>
             <a:lvl7pPr marL="2743200" indent="0" algn="ctr">
               <a:buNone/>
-              <a:defRPr smtId="4294967295">
+              <a:defRPr>
                 <a:solidFill>
                   <a:schemeClr val="tx1">
                     <a:tint val="75000"/>
@@ -265,7 +265,7 @@
             </a:lvl7pPr>
             <a:lvl8pPr marL="3200400" indent="0" algn="ctr">
               <a:buNone/>
-              <a:defRPr smtId="4294967295">
+              <a:defRPr>
                 <a:solidFill>
                   <a:schemeClr val="tx1">
                     <a:tint val="75000"/>
@@ -275,7 +275,7 @@
             </a:lvl8pPr>
             <a:lvl9pPr marL="3657600" indent="0" algn="ctr">
               <a:buNone/>
-              <a:defRPr smtId="4294967295">
+              <a:defRPr>
                 <a:solidFill>
                   <a:schemeClr val="tx1">
                     <a:tint val="75000"/>
@@ -286,10 +286,10 @@
           </a:lstStyle>
           <a:p>
             <a:r>
-              <a:rPr lang="en-US" smtClean="0" smtId="4294967295"/>
+              <a:rPr lang="en-US" smtClean="0"/>
               <a:t>Click to edit Master subtitle style</a:t>
             </a:r>
-            <a:endParaRPr lang="en-US" smtId="4294967295"/>
+            <a:endParaRPr lang="en-US"/>
           </a:p>
         </p:txBody>
       </p:sp>
@@ -308,11 +308,11 @@
           <a:bodyPr/>
           <a:lstStyle/>
           <a:p>
-            <a:fld id="{873E2A09-E2F5-48A0-88E1-48BC818C7B0D}" type="datetimeFigureOut">
-              <a:rPr lang="en-US" smtClean="0" smtId="4294967295"/>
+            <a:fld id="{0C51B3D9-43D1-4D62-8556-8E43D0C428BF}" type="datetimeFigureOut">
+              <a:rPr lang="en-US" smtClean="0"/>
               <a:t>11/7/2009</a:t>
             </a:fld>
-            <a:endParaRPr lang="en-US" smtId="4294967295"/>
+            <a:endParaRPr lang="en-US"/>
           </a:p>
         </p:txBody>
       </p:sp>
@@ -331,7 +331,7 @@
           <a:bodyPr/>
           <a:lstStyle/>
           <a:p>
-            <a:endParaRPr lang="en-US" smtId="4294967295"/>
+            <a:endParaRPr lang="en-US"/>
           </a:p>
         </p:txBody>
       </p:sp>
@@ -351,10 +351,10 @@
           <a:lstStyle/>
           <a:p>
             <a:fld id="{93AE1883-0942-4AA3-9DB2-9C7C3A0314B1}" type="slidenum">
-              <a:rPr lang="en-US" smtClean="0" smtId="4294967295"/>
+              <a:rPr lang="en-US" smtClean="0"/>
               <a:t>‹#›</a:t>
             </a:fld>
-            <a:endParaRPr lang="en-US" smtId="4294967295"/>
+            <a:endParaRPr lang="en-US"/>
           </a:p>
         </p:txBody>
       </p:sp>
@@ -399,10 +399,10 @@
           <a:lstStyle/>
           <a:p>
             <a:r>
-              <a:rPr lang="en-US" smtClean="0" smtId="4294967295"/>
+              <a:rPr lang="en-US" smtClean="0"/>
               <a:t>Click to edit Master title style</a:t>
             </a:r>
-            <a:endParaRPr lang="en-US" smtId="4294967295"/>
+            <a:endParaRPr lang="en-US"/>
           </a:p>
         </p:txBody>
       </p:sp>
@@ -422,38 +422,38 @@
           <a:lstStyle/>
           <a:p>
             <a:r>
-              <a:rPr lang="en-US" smtClean="0" smtId="4294967295"/>
+              <a:rPr lang="en-US" smtClean="0"/>
               <a:t>Click to edit Master text styles</a:t>
             </a:r>
           </a:p>
           <a:p>
             <a:pPr lvl="1"/>
             <a:r>
-              <a:rPr lang="en-US" smtClean="0" smtId="4294967295"/>
+              <a:rPr lang="en-US" smtClean="0"/>
               <a:t>Second level</a:t>
             </a:r>
           </a:p>
           <a:p>
             <a:pPr lvl="2"/>
             <a:r>
-              <a:rPr lang="en-US" smtClean="0" smtId="4294967295"/>
+              <a:rPr lang="en-US" smtClean="0"/>
               <a:t>Third level</a:t>
             </a:r>
           </a:p>
           <a:p>
             <a:pPr lvl="3"/>
             <a:r>
-              <a:rPr lang="en-US" smtClean="0" smtId="4294967295"/>
+              <a:rPr lang="en-US" smtClean="0"/>
               <a:t>Fourth level</a:t>
             </a:r>
           </a:p>
           <a:p>
             <a:pPr lvl="4"/>
             <a:r>
-              <a:rPr lang="en-US" smtClean="0" smtId="4294967295"/>
+              <a:rPr lang="en-US" smtClean="0"/>
               <a:t>Fifth level</a:t>
             </a:r>
-            <a:endParaRPr lang="en-US" smtId="4294967295"/>
+            <a:endParaRPr lang="en-US"/>
           </a:p>
         </p:txBody>
       </p:sp>
@@ -472,11 +472,11 @@
           <a:bodyPr/>
           <a:lstStyle/>
           <a:p>
-            <a:fld id="{C91A5AC5-0B6F-4C0A-967C-12001C267496}" type="datetimeFigureOut">
-              <a:rPr lang="en-US" smtClean="0" smtId="4294967295"/>
+            <a:fld id="{90FFDEEB-B5CA-413E-818B-27E63AF9A97D}" type="datetimeFigureOut">
+              <a:rPr lang="en-US" smtClean="0"/>
               <a:t>11/7/2009</a:t>
             </a:fld>
-            <a:endParaRPr lang="en-US" smtId="4294967295"/>
+            <a:endParaRPr lang="en-US"/>
           </a:p>
         </p:txBody>
       </p:sp>
@@ -495,7 +495,7 @@
           <a:bodyPr/>
           <a:lstStyle/>
           <a:p>
-            <a:endParaRPr lang="en-US" smtId="4294967295"/>
+            <a:endParaRPr lang="en-US"/>
           </a:p>
         </p:txBody>
       </p:sp>
@@ -515,10 +515,10 @@
           <a:lstStyle/>
           <a:p>
             <a:fld id="{93AE1883-0942-4AA3-9DB2-9C7C3A0314B1}" type="slidenum">
-              <a:rPr lang="en-US" smtClean="0" smtId="4294967295"/>
+              <a:rPr lang="en-US" smtClean="0"/>
               <a:t>‹#›</a:t>
             </a:fld>
-            <a:endParaRPr lang="en-US" smtId="4294967295"/>
+            <a:endParaRPr lang="en-US"/>
           </a:p>
         </p:txBody>
       </p:sp>
@@ -563,10 +563,10 @@
           <a:lstStyle/>
           <a:p>
             <a:r>
-              <a:rPr lang="en-US" smtClean="0" smtId="4294967295"/>
+              <a:rPr lang="en-US" smtClean="0"/>
               <a:t>Click to edit Master title style</a:t>
             </a:r>
-            <a:endParaRPr lang="en-US" smtId="4294967295"/>
+            <a:endParaRPr lang="en-US"/>
           </a:p>
         </p:txBody>
       </p:sp>
@@ -586,38 +586,38 @@
           <a:lstStyle/>
           <a:p>
             <a:r>
-              <a:rPr lang="en-US" smtClean="0" smtId="4294967295"/>
+              <a:rPr lang="en-US" smtClean="0"/>
               <a:t>Click to edit Master text styles</a:t>
             </a:r>
           </a:p>
           <a:p>
             <a:pPr lvl="1"/>
             <a:r>
-              <a:rPr lang="en-US" smtClean="0" smtId="4294967295"/>
+              <a:rPr lang="en-US" smtClean="0"/>
               <a:t>Second level</a:t>
             </a:r>
           </a:p>
           <a:p>
             <a:pPr lvl="2"/>
             <a:r>
-              <a:rPr lang="en-US" smtClean="0" smtId="4294967295"/>
+              <a:rPr lang="en-US" smtClean="0"/>
               <a:t>Third level</a:t>
             </a:r>
           </a:p>
           <a:p>
             <a:pPr lvl="3"/>
             <a:r>
-              <a:rPr lang="en-US" smtClean="0" smtId="4294967295"/>
+              <a:rPr lang="en-US" smtClean="0"/>
               <a:t>Fourth level</a:t>
             </a:r>
           </a:p>
           <a:p>
             <a:pPr lvl="4"/>
             <a:r>
-              <a:rPr lang="en-US" smtClean="0" smtId="4294967295"/>
+              <a:rPr lang="en-US" smtClean="0"/>
               <a:t>Fifth level</a:t>
             </a:r>
-            <a:endParaRPr lang="en-US" smtId="4294967295"/>
+            <a:endParaRPr lang="en-US"/>
           </a:p>
         </p:txBody>
       </p:sp>
@@ -636,11 +636,11 @@
           <a:bodyPr/>
           <a:lstStyle/>
           <a:p>
-            <a:fld id="{1C9E1A3E-4303-4E46-B3BA-F8AE5B14DBE4}" type="datetimeFigureOut">
-              <a:rPr lang="en-US" smtClean="0" smtId="4294967295"/>
+            <a:fld id="{86FA58A9-A2D4-482D-8E34-293BF9B5299B}" type="datetimeFigureOut">
+              <a:rPr lang="en-US" smtClean="0"/>
               <a:t>11/7/2009</a:t>
             </a:fld>
-            <a:endParaRPr lang="en-US" smtId="4294967295"/>
+            <a:endParaRPr lang="en-US"/>
           </a:p>
         </p:txBody>
       </p:sp>
@@ -659,7 +659,7 @@
           <a:bodyPr/>
           <a:lstStyle/>
           <a:p>
-            <a:endParaRPr lang="en-US" smtId="4294967295"/>
+            <a:endParaRPr lang="en-US"/>
           </a:p>
         </p:txBody>
       </p:sp>
@@ -679,10 +679,10 @@
           <a:lstStyle/>
           <a:p>
             <a:fld id="{93AE1883-0942-4AA3-9DB2-9C7C3A0314B1}" type="slidenum">
-              <a:rPr lang="en-US" smtClean="0" smtId="4294967295"/>
+              <a:rPr lang="en-US" smtClean="0"/>
               <a:t>‹#›</a:t>
             </a:fld>
-            <a:endParaRPr lang="en-US" smtId="4294967295"/>
+            <a:endParaRPr lang="en-US"/>
           </a:p>
         </p:txBody>
       </p:sp>
@@ -727,10 +727,10 @@
           <a:lstStyle/>
           <a:p>
             <a:r>
-              <a:rPr lang="en-US" smtClean="0" smtId="4294967295"/>
+              <a:rPr lang="en-US" smtClean="0"/>
               <a:t>Click to edit Master title style</a:t>
             </a:r>
-            <a:endParaRPr lang="en-US" smtId="4294967295"/>
+            <a:endParaRPr lang="en-US"/>
           </a:p>
         </p:txBody>
       </p:sp>
@@ -750,38 +750,38 @@
           <a:lstStyle/>
           <a:p>
             <a:r>
-              <a:rPr lang="en-US" smtClean="0" smtId="4294967295"/>
+              <a:rPr lang="en-US" smtClean="0"/>
               <a:t>Click to edit Master text styles</a:t>
             </a:r>
           </a:p>
           <a:p>
             <a:pPr lvl="1"/>
             <a:r>
-              <a:rPr lang="en-US" smtClean="0" smtId="4294967295"/>
+              <a:rPr lang="en-US" smtClean="0"/>
               <a:t>Second level</a:t>
             </a:r>
           </a:p>
           <a:p>
             <a:pPr lvl="2"/>
             <a:r>
-              <a:rPr lang="en-US" smtClean="0" smtId="4294967295"/>
+              <a:rPr lang="en-US" smtClean="0"/>
               <a:t>Third level</a:t>
             </a:r>
           </a:p>
           <a:p>
             <a:pPr lvl="3"/>
             <a:r>
-              <a:rPr lang="en-US" smtClean="0" smtId="4294967295"/>
+              <a:rPr lang="en-US" smtClean="0"/>
               <a:t>Fourth level</a:t>
             </a:r>
           </a:p>
           <a:p>
             <a:pPr lvl="4"/>
             <a:r>
-              <a:rPr lang="en-US" smtClean="0" smtId="4294967295"/>
+              <a:rPr lang="en-US" smtClean="0"/>
               <a:t>Fifth level</a:t>
             </a:r>
-            <a:endParaRPr lang="en-US" smtId="4294967295"/>
+            <a:endParaRPr lang="en-US"/>
           </a:p>
         </p:txBody>
       </p:sp>
@@ -800,11 +800,11 @@
           <a:bodyPr/>
           <a:lstStyle/>
           <a:p>
-            <a:fld id="{BA623483-08D1-4571-A7BB-DF11927A966B}" type="datetimeFigureOut">
-              <a:rPr lang="en-US" smtClean="0" smtId="4294967295"/>
+            <a:fld id="{ABA7B1DD-B7DF-42FF-B6A9-2EA205967D80}" type="datetimeFigureOut">
+              <a:rPr lang="en-US" smtClean="0"/>
               <a:t>11/7/2009</a:t>
             </a:fld>
-            <a:endParaRPr lang="en-US" smtId="4294967295"/>
+            <a:endParaRPr lang="en-US"/>
           </a:p>
         </p:txBody>
       </p:sp>
@@ -823,7 +823,7 @@
           <a:bodyPr/>
           <a:lstStyle/>
           <a:p>
-            <a:endParaRPr lang="en-US" smtId="4294967295"/>
+            <a:endParaRPr lang="en-US"/>
           </a:p>
         </p:txBody>
       </p:sp>
@@ -843,10 +843,10 @@
           <a:lstStyle/>
           <a:p>
             <a:fld id="{93AE1883-0942-4AA3-9DB2-9C7C3A0314B1}" type="slidenum">
-              <a:rPr lang="en-US" smtClean="0" smtId="4294967295"/>
+              <a:rPr lang="en-US" smtClean="0"/>
               <a:t>‹#›</a:t>
             </a:fld>
-            <a:endParaRPr lang="en-US" smtId="4294967295"/>
+            <a:endParaRPr lang="en-US"/>
           </a:p>
         </p:txBody>
       </p:sp>
@@ -890,15 +890,15 @@
           <a:bodyPr anchor="t"/>
           <a:lstStyle>
             <a:lvl1pPr algn="l">
-              <a:defRPr sz="4000" b="1" cap="all" smtId="4294967295"/>
+              <a:defRPr sz="4000" b="1" cap="all"/>
             </a:lvl1pPr>
           </a:lstStyle>
           <a:p>
             <a:r>
-              <a:rPr lang="en-US" smtClean="0" smtId="4294967295"/>
+              <a:rPr lang="en-US" smtClean="0"/>
               <a:t>Click to edit Master title style</a:t>
             </a:r>
-            <a:endParaRPr lang="en-US" smtId="4294967295"/>
+            <a:endParaRPr lang="en-US"/>
           </a:p>
         </p:txBody>
       </p:sp>
@@ -918,7 +918,7 @@
           <a:lstStyle>
             <a:lvl1pPr marL="0" indent="0">
               <a:buNone/>
-              <a:defRPr sz="2000" smtId="4294967295">
+              <a:defRPr sz="2000">
                 <a:solidFill>
                   <a:schemeClr val="tx1">
                     <a:tint val="75000"/>
@@ -928,7 +928,7 @@
             </a:lvl1pPr>
             <a:lvl2pPr marL="457200" indent="0">
               <a:buNone/>
-              <a:defRPr sz="1800" smtId="4294967295">
+              <a:defRPr sz="1800">
                 <a:solidFill>
                   <a:schemeClr val="tx1">
                     <a:tint val="75000"/>
@@ -938,7 +938,7 @@
             </a:lvl2pPr>
             <a:lvl3pPr marL="914400" indent="0">
               <a:buNone/>
-              <a:defRPr sz="1600" smtId="4294967295">
+              <a:defRPr sz="1600">
                 <a:solidFill>
                   <a:schemeClr val="tx1">
                     <a:tint val="75000"/>
@@ -948,7 +948,7 @@
             </a:lvl3pPr>
             <a:lvl4pPr marL="1371600" indent="0">
               <a:buNone/>
-              <a:defRPr sz="1400" smtId="4294967295">
+              <a:defRPr sz="1400">
                 <a:solidFill>
                   <a:schemeClr val="tx1">
                     <a:tint val="75000"/>
@@ -958,7 +958,7 @@
             </a:lvl4pPr>
             <a:lvl5pPr marL="1828800" indent="0">
               <a:buNone/>
-              <a:defRPr sz="1400" smtId="4294967295">
+              <a:defRPr sz="1400">
                 <a:solidFill>
                   <a:schemeClr val="tx1">
                     <a:tint val="75000"/>
@@ -968,7 +968,7 @@
             </a:lvl5pPr>
             <a:lvl6pPr marL="2286000" indent="0">
               <a:buNone/>
-              <a:defRPr sz="1400" smtId="4294967295">
+              <a:defRPr sz="1400">
                 <a:solidFill>
                   <a:schemeClr val="tx1">
                     <a:tint val="75000"/>
@@ -978,7 +978,7 @@
             </a:lvl6pPr>
             <a:lvl7pPr marL="2743200" indent="0">
               <a:buNone/>
-              <a:defRPr sz="1400" smtId="4294967295">
+              <a:defRPr sz="1400">
                 <a:solidFill>
                   <a:schemeClr val="tx1">
                     <a:tint val="75000"/>
@@ -988,7 +988,7 @@
             </a:lvl7pPr>
             <a:lvl8pPr marL="3200400" indent="0">
               <a:buNone/>
-              <a:defRPr sz="1400" smtId="4294967295">
+              <a:defRPr sz="1400">
                 <a:solidFill>
                   <a:schemeClr val="tx1">
                     <a:tint val="75000"/>
@@ -998,7 +998,7 @@
             </a:lvl8pPr>
             <a:lvl9pPr marL="3657600" indent="0">
               <a:buNone/>
-              <a:defRPr sz="1400" smtId="4294967295">
+              <a:defRPr sz="1400">
                 <a:solidFill>
                   <a:schemeClr val="tx1">
                     <a:tint val="75000"/>
@@ -1009,7 +1009,7 @@
           </a:lstStyle>
           <a:p>
             <a:r>
-              <a:rPr lang="en-US" smtClean="0" smtId="4294967295"/>
+              <a:rPr lang="en-US" smtClean="0"/>
               <a:t>Click to edit Master text styles</a:t>
             </a:r>
           </a:p>
@@ -1030,11 +1030,11 @@
           <a:bodyPr/>
           <a:lstStyle/>
           <a:p>
-            <a:fld id="{3DD85DE0-172C-47DE-8177-CF7CA4C476E6}" type="datetimeFigureOut">
-              <a:rPr lang="en-US" smtClean="0" smtId="4294967295"/>
+            <a:fld id="{FCDAC49D-96BD-41B2-AEB1-765C6B7A7D88}" type="datetimeFigureOut">
+              <a:rPr lang="en-US" smtClean="0"/>
               <a:t>11/7/2009</a:t>
             </a:fld>
-            <a:endParaRPr lang="en-US" smtId="4294967295"/>
+            <a:endParaRPr lang="en-US"/>
           </a:p>
         </p:txBody>
       </p:sp>
@@ -1053,7 +1053,7 @@
           <a:bodyPr/>
           <a:lstStyle/>
           <a:p>
-            <a:endParaRPr lang="en-US" smtId="4294967295"/>
+            <a:endParaRPr lang="en-US"/>
           </a:p>
         </p:txBody>
       </p:sp>
@@ -1073,10 +1073,10 @@
           <a:lstStyle/>
           <a:p>
             <a:fld id="{93AE1883-0942-4AA3-9DB2-9C7C3A0314B1}" type="slidenum">
-              <a:rPr lang="en-US" smtClean="0" smtId="4294967295"/>
+              <a:rPr lang="en-US" smtClean="0"/>
               <a:t>‹#›</a:t>
             </a:fld>
-            <a:endParaRPr lang="en-US" smtId="4294967295"/>
+            <a:endParaRPr lang="en-US"/>
           </a:p>
         </p:txBody>
       </p:sp>
@@ -1121,10 +1121,10 @@
           <a:lstStyle/>
           <a:p>
             <a:r>
-              <a:rPr lang="en-US" smtClean="0" smtId="4294967295"/>
+              <a:rPr lang="en-US" smtClean="0"/>
               <a:t>Click to edit Master title style</a:t>
             </a:r>
-            <a:endParaRPr lang="en-US" smtId="4294967295"/>
+            <a:endParaRPr lang="en-US"/>
           </a:p>
         </p:txBody>
       </p:sp>
@@ -1143,67 +1143,67 @@
           <a:bodyPr/>
           <a:lstStyle>
             <a:lvl1pPr>
-              <a:defRPr sz="2800" smtId="4294967295"/>
+              <a:defRPr sz="2800"/>
             </a:lvl1pPr>
             <a:lvl2pPr>
-              <a:defRPr sz="2400" smtId="4294967295"/>
+              <a:defRPr sz="2400"/>
             </a:lvl2pPr>
             <a:lvl3pPr>
-              <a:defRPr sz="2000" smtId="4294967295"/>
+              <a:defRPr sz="2000"/>
             </a:lvl3pPr>
             <a:lvl4pPr>
-              <a:defRPr sz="1800" smtId="4294967295"/>
+              <a:defRPr sz="1800"/>
             </a:lvl4pPr>
             <a:lvl5pPr>
-              <a:defRPr sz="1800" smtId="4294967295"/>
+              <a:defRPr sz="1800"/>
             </a:lvl5pPr>
             <a:lvl6pPr>
-              <a:defRPr sz="1800" smtId="4294967295"/>
+              <a:defRPr sz="1800"/>
             </a:lvl6pPr>
             <a:lvl7pPr>
-              <a:defRPr sz="1800" smtId="4294967295"/>
+              <a:defRPr sz="1800"/>
             </a:lvl7pPr>
             <a:lvl8pPr>
-              <a:defRPr sz="1800" smtId="4294967295"/>
+              <a:defRPr sz="1800"/>
             </a:lvl8pPr>
             <a:lvl9pPr>
-              <a:defRPr sz="1800" smtId="4294967295"/>
+              <a:defRPr sz="1800"/>
             </a:lvl9pPr>
           </a:lstStyle>
           <a:p>
             <a:r>
-              <a:rPr lang="en-US" smtClean="0" smtId="4294967295"/>
+              <a:rPr lang="en-US" smtClean="0"/>
               <a:t>Click to edit Master text styles</a:t>
             </a:r>
           </a:p>
           <a:p>
             <a:pPr lvl="1"/>
             <a:r>
-              <a:rPr lang="en-US" smtClean="0" smtId="4294967295"/>
+              <a:rPr lang="en-US" smtClean="0"/>
               <a:t>Second level</a:t>
             </a:r>
           </a:p>
           <a:p>
             <a:pPr lvl="2"/>
             <a:r>
-              <a:rPr lang="en-US" smtClean="0" smtId="4294967295"/>
+              <a:rPr lang="en-US" smtClean="0"/>
               <a:t>Third level</a:t>
             </a:r>
           </a:p>
           <a:p>
             <a:pPr lvl="3"/>
             <a:r>
-              <a:rPr lang="en-US" smtClean="0" smtId="4294967295"/>
+              <a:rPr lang="en-US" smtClean="0"/>
               <a:t>Fourth level</a:t>
             </a:r>
           </a:p>
           <a:p>
             <a:pPr lvl="4"/>
             <a:r>
-              <a:rPr lang="en-US" smtClean="0" smtId="4294967295"/>
+              <a:rPr lang="en-US" smtClean="0"/>
               <a:t>Fifth level</a:t>
             </a:r>
-            <a:endParaRPr lang="en-US" smtId="4294967295"/>
+            <a:endParaRPr lang="en-US"/>
           </a:p>
         </p:txBody>
       </p:sp>
@@ -1222,67 +1222,67 @@
           <a:bodyPr/>
           <a:lstStyle>
             <a:lvl1pPr>
-              <a:defRPr sz="2800" smtId="4294967295"/>
+              <a:defRPr sz="2800"/>
             </a:lvl1pPr>
             <a:lvl2pPr>
-              <a:defRPr sz="2400" smtId="4294967295"/>
+              <a:defRPr sz="2400"/>
             </a:lvl2pPr>
             <a:lvl3pPr>
-              <a:defRPr sz="2000" smtId="4294967295"/>
+              <a:defRPr sz="2000"/>
             </a:lvl3pPr>
             <a:lvl4pPr>
-              <a:defRPr sz="1800" smtId="4294967295"/>
+              <a:defRPr sz="1800"/>
             </a:lvl4pPr>
             <a:lvl5pPr>
-              <a:defRPr sz="1800" smtId="4294967295"/>
+              <a:defRPr sz="1800"/>
             </a:lvl5pPr>
             <a:lvl6pPr>
-              <a:defRPr sz="1800" smtId="4294967295"/>
+              <a:defRPr sz="1800"/>
             </a:lvl6pPr>
             <a:lvl7pPr>
-              <a:defRPr sz="1800" smtId="4294967295"/>
+              <a:defRPr sz="1800"/>
             </a:lvl7pPr>
             <a:lvl8pPr>
-              <a:defRPr sz="1800" smtId="4294967295"/>
+              <a:defRPr sz="1800"/>
             </a:lvl8pPr>
             <a:lvl9pPr>
-              <a:defRPr sz="1800" smtId="4294967295"/>
+              <a:defRPr sz="1800"/>
             </a:lvl9pPr>
           </a:lstStyle>
           <a:p>
             <a:r>
-              <a:rPr lang="en-US" smtClean="0" smtId="4294967295"/>
+              <a:rPr lang="en-US" smtClean="0"/>
               <a:t>Click to edit Master text styles</a:t>
             </a:r>
           </a:p>
           <a:p>
             <a:pPr lvl="1"/>
             <a:r>
-              <a:rPr lang="en-US" smtClean="0" smtId="4294967295"/>
+              <a:rPr lang="en-US" smtClean="0"/>
               <a:t>Second level</a:t>
             </a:r>
           </a:p>
           <a:p>
             <a:pPr lvl="2"/>
             <a:r>
-              <a:rPr lang="en-US" smtClean="0" smtId="4294967295"/>
+              <a:rPr lang="en-US" smtClean="0"/>
               <a:t>Third level</a:t>
             </a:r>
           </a:p>
           <a:p>
             <a:pPr lvl="3"/>
             <a:r>
-              <a:rPr lang="en-US" smtClean="0" smtId="4294967295"/>
+              <a:rPr lang="en-US" smtClean="0"/>
               <a:t>Fourth level</a:t>
             </a:r>
           </a:p>
           <a:p>
             <a:pPr lvl="4"/>
             <a:r>
-              <a:rPr lang="en-US" smtClean="0" smtId="4294967295"/>
+              <a:rPr lang="en-US" smtClean="0"/>
               <a:t>Fifth level</a:t>
             </a:r>
-            <a:endParaRPr lang="en-US" smtId="4294967295"/>
+            <a:endParaRPr lang="en-US"/>
           </a:p>
         </p:txBody>
       </p:sp>
@@ -1301,11 +1301,11 @@
           <a:bodyPr/>
           <a:lstStyle/>
           <a:p>
-            <a:fld id="{FB3D3D9B-32CD-4E0D-97E7-6CEB26411BB2}" type="datetimeFigureOut">
-              <a:rPr lang="en-US" smtClean="0" smtId="4294967295"/>
+            <a:fld id="{92A51040-87E3-422A-830D-53F47E1C8CA2}" type="datetimeFigureOut">
+              <a:rPr lang="en-US" smtClean="0"/>
               <a:t>11/7/2009</a:t>
             </a:fld>
-            <a:endParaRPr lang="en-US" smtId="4294967295"/>
+            <a:endParaRPr lang="en-US"/>
           </a:p>
         </p:txBody>
       </p:sp>
@@ -1324,7 +1324,7 @@
           <a:bodyPr/>
           <a:lstStyle/>
           <a:p>
-            <a:endParaRPr lang="en-US" smtId="4294967295"/>
+            <a:endParaRPr lang="en-US"/>
           </a:p>
         </p:txBody>
       </p:sp>
@@ -1344,10 +1344,10 @@
           <a:lstStyle/>
           <a:p>
             <a:fld id="{93AE1883-0942-4AA3-9DB2-9C7C3A0314B1}" type="slidenum">
-              <a:rPr lang="en-US" smtClean="0" smtId="4294967295"/>
+              <a:rPr lang="en-US" smtClean="0"/>
               <a:t>‹#›</a:t>
             </a:fld>
-            <a:endParaRPr lang="en-US" smtId="4294967295"/>
+            <a:endParaRPr lang="en-US"/>
           </a:p>
         </p:txBody>
       </p:sp>
@@ -1392,10 +1392,10 @@
           <a:lstStyle/>
           <a:p>
             <a:r>
-              <a:rPr lang="en-US" smtClean="0" smtId="4294967295"/>
+              <a:rPr lang="en-US" smtClean="0"/>
               <a:t>Click to edit Master title style</a:t>
             </a:r>
-            <a:endParaRPr lang="en-US" smtId="4294967295"/>
+            <a:endParaRPr lang="en-US"/>
           </a:p>
         </p:txBody>
       </p:sp>
@@ -1415,44 +1415,44 @@
           <a:lstStyle>
             <a:lvl1pPr marL="0" indent="0">
               <a:buNone/>
-              <a:defRPr sz="2400" b="1" smtId="4294967295"/>
+              <a:defRPr sz="2400" b="1"/>
             </a:lvl1pPr>
             <a:lvl2pPr marL="457200" indent="0">
               <a:buNone/>
-              <a:defRPr sz="2000" b="1" smtId="4294967295"/>
+              <a:defRPr sz="2000" b="1"/>
             </a:lvl2pPr>
             <a:lvl3pPr marL="914400" indent="0">
               <a:buNone/>
-              <a:defRPr sz="1800" b="1" smtId="4294967295"/>
+              <a:defRPr sz="1800" b="1"/>
             </a:lvl3pPr>
             <a:lvl4pPr marL="1371600" indent="0">
               <a:buNone/>
-              <a:defRPr sz="1600" b="1" smtId="4294967295"/>
+              <a:defRPr sz="1600" b="1"/>
             </a:lvl4pPr>
             <a:lvl5pPr marL="1828800" indent="0">
               <a:buNone/>
-              <a:defRPr sz="1600" b="1" smtId="4294967295"/>
+              <a:defRPr sz="1600" b="1"/>
             </a:lvl5pPr>
             <a:lvl6pPr marL="2286000" indent="0">
               <a:buNone/>
-              <a:defRPr sz="1600" b="1" smtId="4294967295"/>
+              <a:defRPr sz="1600" b="1"/>
             </a:lvl6pPr>
             <a:lvl7pPr marL="2743200" indent="0">
               <a:buNone/>
-              <a:defRPr sz="1600" b="1" smtId="4294967295"/>
+              <a:defRPr sz="1600" b="1"/>
             </a:lvl7pPr>
             <a:lvl8pPr marL="3200400" indent="0">
               <a:buNone/>
-              <a:defRPr sz="1600" b="1" smtId="4294967295"/>
+              <a:defRPr sz="1600" b="1"/>
             </a:lvl8pPr>
             <a:lvl9pPr marL="3657600" indent="0">
               <a:buNone/>
-              <a:defRPr sz="1600" b="1" smtId="4294967295"/>
+              <a:defRPr sz="1600" b="1"/>
             </a:lvl9pPr>
           </a:lstStyle>
           <a:p>
             <a:r>
-              <a:rPr lang="en-US" smtClean="0" smtId="4294967295"/>
+              <a:rPr lang="en-US" smtClean="0"/>
               <a:t>Click to edit Master text styles</a:t>
             </a:r>
           </a:p>
@@ -1473,67 +1473,67 @@
           <a:bodyPr/>
           <a:lstStyle>
             <a:lvl1pPr>
-              <a:defRPr sz="2400" smtId="4294967295"/>
+              <a:defRPr sz="2400"/>
             </a:lvl1pPr>
             <a:lvl2pPr>
-              <a:defRPr sz="2000" smtId="4294967295"/>
+              <a:defRPr sz="2000"/>
             </a:lvl2pPr>
             <a:lvl3pPr>
-              <a:defRPr sz="1800" smtId="4294967295"/>
+              <a:defRPr sz="1800"/>
             </a:lvl3pPr>
             <a:lvl4pPr>
-              <a:defRPr sz="1600" smtId="4294967295"/>
+              <a:defRPr sz="1600"/>
             </a:lvl4pPr>
             <a:lvl5pPr>
-              <a:defRPr sz="1600" smtId="4294967295"/>
+              <a:defRPr sz="1600"/>
             </a:lvl5pPr>
             <a:lvl6pPr>
-              <a:defRPr sz="1600" smtId="4294967295"/>
+              <a:defRPr sz="1600"/>
             </a:lvl6pPr>
             <a:lvl7pPr>
-              <a:defRPr sz="1600" smtId="4294967295"/>
+              <a:defRPr sz="1600"/>
             </a:lvl7pPr>
             <a:lvl8pPr>
-              <a:defRPr sz="1600" smtId="4294967295"/>
+              <a:defRPr sz="1600"/>
             </a:lvl8pPr>
             <a:lvl9pPr>
-              <a:defRPr sz="1600" smtId="4294967295"/>
+              <a:defRPr sz="1600"/>
             </a:lvl9pPr>
           </a:lstStyle>
           <a:p>
             <a:r>
-              <a:rPr lang="en-US" smtClean="0" smtId="4294967295"/>
+              <a:rPr lang="en-US" smtClean="0"/>
               <a:t>Click to edit Master text styles</a:t>
             </a:r>
           </a:p>
           <a:p>
             <a:pPr lvl="1"/>
             <a:r>
-              <a:rPr lang="en-US" smtClean="0" smtId="4294967295"/>
+              <a:rPr lang="en-US" smtClean="0"/>
               <a:t>Second level</a:t>
             </a:r>
           </a:p>
           <a:p>
             <a:pPr lvl="2"/>
             <a:r>
-              <a:rPr lang="en-US" smtClean="0" smtId="4294967295"/>
+              <a:rPr lang="en-US" smtClean="0"/>
               <a:t>Third level</a:t>
             </a:r>
           </a:p>
           <a:p>
             <a:pPr lvl="3"/>
             <a:r>
-              <a:rPr lang="en-US" smtClean="0" smtId="4294967295"/>
+              <a:rPr lang="en-US" smtClean="0"/>
               <a:t>Fourth level</a:t>
             </a:r>
           </a:p>
           <a:p>
             <a:pPr lvl="4"/>
             <a:r>
-              <a:rPr lang="en-US" smtClean="0" smtId="4294967295"/>
+              <a:rPr lang="en-US" smtClean="0"/>
               <a:t>Fifth level</a:t>
             </a:r>
-            <a:endParaRPr lang="en-US" smtId="4294967295"/>
+            <a:endParaRPr lang="en-US"/>
           </a:p>
         </p:txBody>
       </p:sp>
@@ -1553,44 +1553,44 @@
           <a:lstStyle>
             <a:lvl1pPr marL="0" indent="0">
               <a:buNone/>
-              <a:defRPr sz="2400" b="1" smtId="4294967295"/>
+              <a:defRPr sz="2400" b="1"/>
             </a:lvl1pPr>
             <a:lvl2pPr marL="457200" indent="0">
               <a:buNone/>
-              <a:defRPr sz="2000" b="1" smtId="4294967295"/>
+              <a:defRPr sz="2000" b="1"/>
             </a:lvl2pPr>
             <a:lvl3pPr marL="914400" indent="0">
               <a:buNone/>
-              <a:defRPr sz="1800" b="1" smtId="4294967295"/>
+              <a:defRPr sz="1800" b="1"/>
             </a:lvl3pPr>
             <a:lvl4pPr marL="1371600" indent="0">
               <a:buNone/>
-              <a:defRPr sz="1600" b="1" smtId="4294967295"/>
+              <a:defRPr sz="1600" b="1"/>
             </a:lvl4pPr>
             <a:lvl5pPr marL="1828800" indent="0">
               <a:buNone/>
-              <a:defRPr sz="1600" b="1" smtId="4294967295"/>
+              <a:defRPr sz="1600" b="1"/>
             </a:lvl5pPr>
             <a:lvl6pPr marL="2286000" indent="0">
               <a:buNone/>
-              <a:defRPr sz="1600" b="1" smtId="4294967295"/>
+              <a:defRPr sz="1600" b="1"/>
             </a:lvl6pPr>
             <a:lvl7pPr marL="2743200" indent="0">
               <a:buNone/>
-              <a:defRPr sz="1600" b="1" smtId="4294967295"/>
+              <a:defRPr sz="1600" b="1"/>
             </a:lvl7pPr>
             <a:lvl8pPr marL="3200400" indent="0">
               <a:buNone/>
-              <a:defRPr sz="1600" b="1" smtId="4294967295"/>
+              <a:defRPr sz="1600" b="1"/>
             </a:lvl8pPr>
             <a:lvl9pPr marL="3657600" indent="0">
               <a:buNone/>
-              <a:defRPr sz="1600" b="1" smtId="4294967295"/>
+              <a:defRPr sz="1600" b="1"/>
             </a:lvl9pPr>
           </a:lstStyle>
           <a:p>
             <a:r>
-              <a:rPr lang="en-US" smtClean="0" smtId="4294967295"/>
+              <a:rPr lang="en-US" smtClean="0"/>
               <a:t>Click to edit Master text styles</a:t>
             </a:r>
           </a:p>
@@ -1611,67 +1611,67 @@
           <a:bodyPr/>
           <a:lstStyle>
             <a:lvl1pPr>
-              <a:defRPr sz="2400" smtId="4294967295"/>
+              <a:defRPr sz="2400"/>
             </a:lvl1pPr>
             <a:lvl2pPr>
-              <a:defRPr sz="2000" smtId="4294967295"/>
+              <a:defRPr sz="2000"/>
             </a:lvl2pPr>
             <a:lvl3pPr>
-              <a:defRPr sz="1800" smtId="4294967295"/>
+              <a:defRPr sz="1800"/>
             </a:lvl3pPr>
             <a:lvl4pPr>
-              <a:defRPr sz="1600" smtId="4294967295"/>
+              <a:defRPr sz="1600"/>
             </a:lvl4pPr>
             <a:lvl5pPr>
-              <a:defRPr sz="1600" smtId="4294967295"/>
+              <a:defRPr sz="1600"/>
             </a:lvl5pPr>
             <a:lvl6pPr>
-              <a:defRPr sz="1600" smtId="4294967295"/>
+              <a:defRPr sz="1600"/>
             </a:lvl6pPr>
             <a:lvl7pPr>
-              <a:defRPr sz="1600" smtId="4294967295"/>
+              <a:defRPr sz="1600"/>
             </a:lvl7pPr>
             <a:lvl8pPr>
-              <a:defRPr sz="1600" smtId="4294967295"/>
+              <a:defRPr sz="1600"/>
             </a:lvl8pPr>
             <a:lvl9pPr>
-              <a:defRPr sz="1600" smtId="4294967295"/>
+              <a:defRPr sz="1600"/>
             </a:lvl9pPr>
           </a:lstStyle>
           <a:p>
             <a:r>
-              <a:rPr lang="en-US" smtClean="0" smtId="4294967295"/>
+              <a:rPr lang="en-US" smtClean="0"/>
               <a:t>Click to edit Master text styles</a:t>
             </a:r>
           </a:p>
           <a:p>
             <a:pPr lvl="1"/>
             <a:r>
-              <a:rPr lang="en-US" smtClean="0" smtId="4294967295"/>
+              <a:rPr lang="en-US" smtClean="0"/>
               <a:t>Second level</a:t>
             </a:r>
           </a:p>
           <a:p>
             <a:pPr lvl="2"/>
             <a:r>
-              <a:rPr lang="en-US" smtClean="0" smtId="4294967295"/>
+              <a:rPr lang="en-US" smtClean="0"/>
               <a:t>Third level</a:t>
             </a:r>
           </a:p>
           <a:p>
             <a:pPr lvl="3"/>
             <a:r>
-              <a:rPr lang="en-US" smtClean="0" smtId="4294967295"/>
+              <a:rPr lang="en-US" smtClean="0"/>
               <a:t>Fourth level</a:t>
             </a:r>
           </a:p>
           <a:p>
             <a:pPr lvl="4"/>
             <a:r>
-              <a:rPr lang="en-US" smtClean="0" smtId="4294967295"/>
+              <a:rPr lang="en-US" smtClean="0"/>
               <a:t>Fifth level</a:t>
             </a:r>
-            <a:endParaRPr lang="en-US" smtId="4294967295"/>
+            <a:endParaRPr lang="en-US"/>
           </a:p>
         </p:txBody>
       </p:sp>
@@ -1690,11 +1690,11 @@
           <a:bodyPr/>
           <a:lstStyle/>
           <a:p>
-            <a:fld id="{2249167E-B328-4672-83D6-F43E8AFE08E0}" type="datetimeFigureOut">
-              <a:rPr lang="en-US" smtClean="0" smtId="4294967295"/>
+            <a:fld id="{89344626-413D-4622-998C-971B4E272522}" type="datetimeFigureOut">
+              <a:rPr lang="en-US" smtClean="0"/>
               <a:t>11/7/2009</a:t>
             </a:fld>
-            <a:endParaRPr lang="en-US" smtId="4294967295"/>
+            <a:endParaRPr lang="en-US"/>
           </a:p>
         </p:txBody>
       </p:sp>
@@ -1713,7 +1713,7 @@
           <a:bodyPr/>
           <a:lstStyle/>
           <a:p>
-            <a:endParaRPr lang="en-US" smtId="4294967295"/>
+            <a:endParaRPr lang="en-US"/>
           </a:p>
         </p:txBody>
       </p:sp>
@@ -1733,10 +1733,10 @@
           <a:lstStyle/>
           <a:p>
             <a:fld id="{93AE1883-0942-4AA3-9DB2-9C7C3A0314B1}" type="slidenum">
-              <a:rPr lang="en-US" smtClean="0" smtId="4294967295"/>
+              <a:rPr lang="en-US" smtClean="0"/>
               <a:t>‹#›</a:t>
             </a:fld>
-            <a:endParaRPr lang="en-US" smtId="4294967295"/>
+            <a:endParaRPr lang="en-US"/>
           </a:p>
         </p:txBody>
       </p:sp>
@@ -1781,10 +1781,10 @@
           <a:lstStyle/>
           <a:p>
             <a:r>
-              <a:rPr lang="en-US" smtClean="0" smtId="4294967295"/>
+              <a:rPr lang="en-US" smtClean="0"/>
               <a:t>Click to edit Master title style</a:t>
             </a:r>
-            <a:endParaRPr lang="en-US" smtId="4294967295"/>
+            <a:endParaRPr lang="en-US"/>
           </a:p>
         </p:txBody>
       </p:sp>
@@ -1803,11 +1803,11 @@
           <a:bodyPr/>
           <a:lstStyle/>
           <a:p>
-            <a:fld id="{7E7110E0-14B6-4A2D-9036-851B33674662}" type="datetimeFigureOut">
-              <a:rPr lang="en-US" smtClean="0" smtId="4294967295"/>
+            <a:fld id="{850E18C3-62F0-4EBB-8FD7-E4D9907C02C3}" type="datetimeFigureOut">
+              <a:rPr lang="en-US" smtClean="0"/>
               <a:t>11/7/2009</a:t>
             </a:fld>
-            <a:endParaRPr lang="en-US" smtId="4294967295"/>
+            <a:endParaRPr lang="en-US"/>
           </a:p>
         </p:txBody>
       </p:sp>
@@ -1826,7 +1826,7 @@
           <a:bodyPr/>
           <a:lstStyle/>
           <a:p>
-            <a:endParaRPr lang="en-US" smtId="4294967295"/>
+            <a:endParaRPr lang="en-US"/>
           </a:p>
         </p:txBody>
       </p:sp>
@@ -1846,10 +1846,10 @@
           <a:lstStyle/>
           <a:p>
             <a:fld id="{93AE1883-0942-4AA3-9DB2-9C7C3A0314B1}" type="slidenum">
-              <a:rPr lang="en-US" smtClean="0" smtId="4294967295"/>
+              <a:rPr lang="en-US" smtClean="0"/>
               <a:t>‹#›</a:t>
             </a:fld>
-            <a:endParaRPr lang="en-US" smtId="4294967295"/>
+            <a:endParaRPr lang="en-US"/>
           </a:p>
         </p:txBody>
       </p:sp>
@@ -1893,11 +1893,11 @@
           <a:bodyPr/>
           <a:lstStyle/>
           <a:p>
-            <a:fld id="{5212FB04-2050-4FD3-A765-8CFAC511AD93}" type="datetimeFigureOut">
-              <a:rPr lang="en-US" smtClean="0" smtId="4294967295"/>
+            <a:fld id="{0D06C162-389E-45DE-91D3-72158723FB2E}" type="datetimeFigureOut">
+              <a:rPr lang="en-US" smtClean="0"/>
               <a:t>11/7/2009</a:t>
             </a:fld>
-            <a:endParaRPr lang="en-US" smtId="4294967295"/>
+            <a:endParaRPr lang="en-US"/>
           </a:p>
         </p:txBody>
       </p:sp>
@@ -1916,7 +1916,7 @@
           <a:bodyPr/>
           <a:lstStyle/>
           <a:p>
-            <a:endParaRPr lang="en-US" smtId="4294967295"/>
+            <a:endParaRPr lang="en-US"/>
           </a:p>
         </p:txBody>
       </p:sp>
@@ -1936,10 +1936,10 @@
           <a:lstStyle/>
           <a:p>
             <a:fld id="{93AE1883-0942-4AA3-9DB2-9C7C3A0314B1}" type="slidenum">
-              <a:rPr lang="en-US" smtClean="0" smtId="4294967295"/>
+              <a:rPr lang="en-US" smtClean="0"/>
               <a:t>‹#›</a:t>
             </a:fld>
-            <a:endParaRPr lang="en-US" smtId="4294967295"/>
+            <a:endParaRPr lang="en-US"/>
           </a:p>
         </p:txBody>
       </p:sp>
@@ -1983,15 +1983,15 @@
           <a:bodyPr anchor="b"/>
           <a:lstStyle>
             <a:lvl1pPr algn="l">
-              <a:defRPr sz="2000" b="1" smtId="4294967295"/>
+              <a:defRPr sz="2000" b="1"/>
             </a:lvl1pPr>
           </a:lstStyle>
           <a:p>
             <a:r>
-              <a:rPr lang="en-US" smtClean="0" smtId="4294967295"/>
+              <a:rPr lang="en-US" smtClean="0"/>
               <a:t>Click to edit Master title style</a:t>
             </a:r>
-            <a:endParaRPr lang="en-US" smtId="4294967295"/>
+            <a:endParaRPr lang="en-US"/>
           </a:p>
         </p:txBody>
       </p:sp>
@@ -2010,67 +2010,67 @@
           <a:bodyPr/>
           <a:lstStyle>
             <a:lvl1pPr>
-              <a:defRPr sz="3200" smtId="4294967295"/>
+              <a:defRPr sz="3200"/>
             </a:lvl1pPr>
             <a:lvl2pPr>
-              <a:defRPr sz="2800" smtId="4294967295"/>
+              <a:defRPr sz="2800"/>
             </a:lvl2pPr>
             <a:lvl3pPr>
-              <a:defRPr sz="2400" smtId="4294967295"/>
+              <a:defRPr sz="2400"/>
             </a:lvl3pPr>
             <a:lvl4pPr>
-              <a:defRPr sz="2000" smtId="4294967295"/>
+              <a:defRPr sz="2000"/>
             </a:lvl4pPr>
             <a:lvl5pPr>
-              <a:defRPr sz="2000" smtId="4294967295"/>
+              <a:defRPr sz="2000"/>
             </a:lvl5pPr>
             <a:lvl6pPr>
-              <a:defRPr sz="2000" smtId="4294967295"/>
+              <a:defRPr sz="2000"/>
             </a:lvl6pPr>
             <a:lvl7pPr>
-              <a:defRPr sz="2000" smtId="4294967295"/>
+              <a:defRPr sz="2000"/>
             </a:lvl7pPr>
             <a:lvl8pPr>
-              <a:defRPr sz="2000" smtId="4294967295"/>
+              <a:defRPr sz="2000"/>
             </a:lvl8pPr>
             <a:lvl9pPr>
-              <a:defRPr sz="2000" smtId="4294967295"/>
+              <a:defRPr sz="2000"/>
             </a:lvl9pPr>
           </a:lstStyle>
           <a:p>
             <a:r>
-              <a:rPr lang="en-US" smtClean="0" smtId="4294967295"/>
+              <a:rPr lang="en-US" smtClean="0"/>
               <a:t>Click to edit Master text styles</a:t>
             </a:r>
           </a:p>
           <a:p>
             <a:pPr lvl="1"/>
             <a:r>
-              <a:rPr lang="en-US" smtClean="0" smtId="4294967295"/>
+              <a:rPr lang="en-US" smtClean="0"/>
               <a:t>Second level</a:t>
             </a:r>
           </a:p>
           <a:p>
             <a:pPr lvl="2"/>
             <a:r>
-              <a:rPr lang="en-US" smtClean="0" smtId="4294967295"/>
+              <a:rPr lang="en-US" smtClean="0"/>
               <a:t>Third level</a:t>
             </a:r>
           </a:p>
           <a:p>
             <a:pPr lvl="3"/>
             <a:r>
-              <a:rPr lang="en-US" smtClean="0" smtId="4294967295"/>
+              <a:rPr lang="en-US" smtClean="0"/>
               <a:t>Fourth level</a:t>
             </a:r>
           </a:p>
           <a:p>
             <a:pPr lvl="4"/>
             <a:r>
-              <a:rPr lang="en-US" smtClean="0" smtId="4294967295"/>
+              <a:rPr lang="en-US" smtClean="0"/>
               <a:t>Fifth level</a:t>
             </a:r>
-            <a:endParaRPr lang="en-US" smtId="4294967295"/>
+            <a:endParaRPr lang="en-US"/>
           </a:p>
         </p:txBody>
       </p:sp>
@@ -2090,44 +2090,44 @@
           <a:lstStyle>
             <a:lvl1pPr marL="0" indent="0">
               <a:buNone/>
-              <a:defRPr sz="1400" smtId="4294967295"/>
+              <a:defRPr sz="1400"/>
             </a:lvl1pPr>
             <a:lvl2pPr marL="457200" indent="0">
               <a:buNone/>
-              <a:defRPr sz="1200" smtId="4294967295"/>
+              <a:defRPr sz="1200"/>
             </a:lvl2pPr>
             <a:lvl3pPr marL="914400" indent="0">
               <a:buNone/>
-              <a:defRPr sz="1000" smtId="4294967295"/>
+              <a:defRPr sz="1000"/>
             </a:lvl3pPr>
             <a:lvl4pPr marL="1371600" indent="0">
               <a:buNone/>
-              <a:defRPr sz="900" smtId="4294967295"/>
+              <a:defRPr sz="900"/>
             </a:lvl4pPr>
             <a:lvl5pPr marL="1828800" indent="0">
               <a:buNone/>
-              <a:defRPr sz="900" smtId="4294967295"/>
+              <a:defRPr sz="900"/>
             </a:lvl5pPr>
             <a:lvl6pPr marL="2286000" indent="0">
               <a:buNone/>
-              <a:defRPr sz="900" smtId="4294967295"/>
+              <a:defRPr sz="900"/>
             </a:lvl6pPr>
             <a:lvl7pPr marL="2743200" indent="0">
               <a:buNone/>
-              <a:defRPr sz="900" smtId="4294967295"/>
+              <a:defRPr sz="900"/>
             </a:lvl7pPr>
             <a:lvl8pPr marL="3200400" indent="0">
               <a:buNone/>
-              <a:defRPr sz="900" smtId="4294967295"/>
+              <a:defRPr sz="900"/>
             </a:lvl8pPr>
             <a:lvl9pPr marL="3657600" indent="0">
               <a:buNone/>
-              <a:defRPr sz="900" smtId="4294967295"/>
+              <a:defRPr sz="900"/>
             </a:lvl9pPr>
           </a:lstStyle>
           <a:p>
             <a:r>
-              <a:rPr lang="en-US" smtClean="0" smtId="4294967295"/>
+              <a:rPr lang="en-US" smtClean="0"/>
               <a:t>Click to edit Master text styles</a:t>
             </a:r>
           </a:p>
@@ -2148,11 +2148,11 @@
           <a:bodyPr/>
           <a:lstStyle/>
           <a:p>
-            <a:fld id="{8494480D-BCB7-40CE-8657-6B666EC12FF3}" type="datetimeFigureOut">
-              <a:rPr lang="en-US" smtClean="0" smtId="4294967295"/>
+            <a:fld id="{78CEDB88-30CE-4910-AD6B-549F42421DA7}" type="datetimeFigureOut">
+              <a:rPr lang="en-US" smtClean="0"/>
               <a:t>11/7/2009</a:t>
             </a:fld>
-            <a:endParaRPr lang="en-US" smtId="4294967295"/>
+            <a:endParaRPr lang="en-US"/>
           </a:p>
         </p:txBody>
       </p:sp>
@@ -2171,7 +2171,7 @@
           <a:bodyPr/>
           <a:lstStyle/>
           <a:p>
-            <a:endParaRPr lang="en-US" smtId="4294967295"/>
+            <a:endParaRPr lang="en-US"/>
           </a:p>
         </p:txBody>
       </p:sp>
@@ -2191,10 +2191,10 @@
           <a:lstStyle/>
           <a:p>
             <a:fld id="{93AE1883-0942-4AA3-9DB2-9C7C3A0314B1}" type="slidenum">
-              <a:rPr lang="en-US" smtClean="0" smtId="4294967295"/>
+              <a:rPr lang="en-US" smtClean="0"/>
               <a:t>‹#›</a:t>
             </a:fld>
-            <a:endParaRPr lang="en-US" smtId="4294967295"/>
+            <a:endParaRPr lang="en-US"/>
           </a:p>
         </p:txBody>
       </p:sp>
@@ -2238,15 +2238,15 @@
           <a:bodyPr anchor="b"/>
           <a:lstStyle>
             <a:lvl1pPr algn="l">
-              <a:defRPr sz="2000" b="1" smtId="4294967295"/>
+              <a:defRPr sz="2000" b="1"/>
             </a:lvl1pPr>
           </a:lstStyle>
           <a:p>
             <a:r>
-              <a:rPr lang="en-US" smtClean="0" smtId="4294967295"/>
+              <a:rPr lang="en-US" smtClean="0"/>
               <a:t>Click to edit Master title style</a:t>
             </a:r>
-            <a:endParaRPr lang="en-US" smtId="4294967295"/>
+            <a:endParaRPr lang="en-US"/>
           </a:p>
         </p:txBody>
       </p:sp>
@@ -2266,43 +2266,43 @@
           <a:lstStyle>
             <a:lvl1pPr marL="0" indent="0">
               <a:buNone/>
-              <a:defRPr sz="3200" smtId="4294967295"/>
+              <a:defRPr sz="3200"/>
             </a:lvl1pPr>
             <a:lvl2pPr marL="457200" indent="0">
               <a:buNone/>
-              <a:defRPr sz="2800" smtId="4294967295"/>
+              <a:defRPr sz="2800"/>
             </a:lvl2pPr>
             <a:lvl3pPr marL="914400" indent="0">
               <a:buNone/>
-              <a:defRPr sz="2400" smtId="4294967295"/>
+              <a:defRPr sz="2400"/>
             </a:lvl3pPr>
             <a:lvl4pPr marL="1371600" indent="0">
               <a:buNone/>
-              <a:defRPr sz="2000" smtId="4294967295"/>
+              <a:defRPr sz="2000"/>
             </a:lvl4pPr>
             <a:lvl5pPr marL="1828800" indent="0">
               <a:buNone/>
-              <a:defRPr sz="2000" smtId="4294967295"/>
+              <a:defRPr sz="2000"/>
             </a:lvl5pPr>
             <a:lvl6pPr marL="2286000" indent="0">
               <a:buNone/>
-              <a:defRPr sz="2000" smtId="4294967295"/>
+              <a:defRPr sz="2000"/>
             </a:lvl6pPr>
             <a:lvl7pPr marL="2743200" indent="0">
               <a:buNone/>
-              <a:defRPr sz="2000" smtId="4294967295"/>
+              <a:defRPr sz="2000"/>
             </a:lvl7pPr>
             <a:lvl8pPr marL="3200400" indent="0">
               <a:buNone/>
-              <a:defRPr sz="2000" smtId="4294967295"/>
+              <a:defRPr sz="2000"/>
             </a:lvl8pPr>
             <a:lvl9pPr marL="3657600" indent="0">
               <a:buNone/>
-              <a:defRPr sz="2000" smtId="4294967295"/>
+              <a:defRPr sz="2000"/>
             </a:lvl9pPr>
           </a:lstStyle>
           <a:p>
-            <a:endParaRPr lang="en-US" smtId="4294967295"/>
+            <a:endParaRPr lang="en-US"/>
           </a:p>
         </p:txBody>
       </p:sp>
@@ -2322,44 +2322,44 @@
           <a:lstStyle>
             <a:lvl1pPr marL="0" indent="0">
               <a:buNone/>
-              <a:defRPr sz="1400" smtId="4294967295"/>
+              <a:defRPr sz="1400"/>
             </a:lvl1pPr>
             <a:lvl2pPr marL="457200" indent="0">
               <a:buNone/>
-              <a:defRPr sz="1200" smtId="4294967295"/>
+              <a:defRPr sz="1200"/>
             </a:lvl2pPr>
             <a:lvl3pPr marL="914400" indent="0">
               <a:buNone/>
-              <a:defRPr sz="1000" smtId="4294967295"/>
+              <a:defRPr sz="1000"/>
             </a:lvl3pPr>
             <a:lvl4pPr marL="1371600" indent="0">
               <a:buNone/>
-              <a:defRPr sz="900" smtId="4294967295"/>
+              <a:defRPr sz="900"/>
             </a:lvl4pPr>
             <a:lvl5pPr marL="1828800" indent="0">
               <a:buNone/>
-              <a:defRPr sz="900" smtId="4294967295"/>
+              <a:defRPr sz="900"/>
             </a:lvl5pPr>
             <a:lvl6pPr marL="2286000" indent="0">
               <a:buNone/>
-              <a:defRPr sz="900" smtId="4294967295"/>
+              <a:defRPr sz="900"/>
             </a:lvl6pPr>
             <a:lvl7pPr marL="2743200" indent="0">
               <a:buNone/>
-              <a:defRPr sz="900" smtId="4294967295"/>
+              <a:defRPr sz="900"/>
             </a:lvl7pPr>
             <a:lvl8pPr marL="3200400" indent="0">
               <a:buNone/>
-              <a:defRPr sz="900" smtId="4294967295"/>
+              <a:defRPr sz="900"/>
             </a:lvl8pPr>
             <a:lvl9pPr marL="3657600" indent="0">
               <a:buNone/>
-              <a:defRPr sz="900" smtId="4294967295"/>
+              <a:defRPr sz="900"/>
             </a:lvl9pPr>
           </a:lstStyle>
           <a:p>
             <a:r>
-              <a:rPr lang="en-US" smtClean="0" smtId="4294967295"/>
+              <a:rPr lang="en-US" smtClean="0"/>
               <a:t>Click to edit Master text styles</a:t>
             </a:r>
           </a:p>
@@ -2380,11 +2380,11 @@
           <a:bodyPr/>
           <a:lstStyle/>
           <a:p>
-            <a:fld id="{BEB2827A-7476-4BEC-9BA3-230365EDB031}" type="datetimeFigureOut">
-              <a:rPr lang="en-US" smtClean="0" smtId="4294967295"/>
+            <a:fld id="{F871A803-4969-4D33-AC9B-BCFADADF8919}" type="datetimeFigureOut">
+              <a:rPr lang="en-US" smtClean="0"/>
               <a:t>11/7/2009</a:t>
             </a:fld>
-            <a:endParaRPr lang="en-US" smtId="4294967295"/>
+            <a:endParaRPr lang="en-US"/>
           </a:p>
         </p:txBody>
       </p:sp>
@@ -2403,7 +2403,7 @@
           <a:bodyPr/>
           <a:lstStyle/>
           <a:p>
-            <a:endParaRPr lang="en-US" smtId="4294967295"/>
+            <a:endParaRPr lang="en-US"/>
           </a:p>
         </p:txBody>
       </p:sp>
@@ -2423,10 +2423,10 @@
           <a:lstStyle/>
           <a:p>
             <a:fld id="{93AE1883-0942-4AA3-9DB2-9C7C3A0314B1}" type="slidenum">
-              <a:rPr lang="en-US" smtClean="0" smtId="4294967295"/>
+              <a:rPr lang="en-US" smtClean="0"/>
               <a:t>‹#›</a:t>
             </a:fld>
-            <a:endParaRPr lang="en-US" smtId="4294967295"/>
+            <a:endParaRPr lang="en-US"/>
           </a:p>
         </p:txBody>
       </p:sp>
@@ -2442,7 +2442,7 @@
 
 <file path=ppt/slideMasters/slideMaster1.xml><?xml version="1.0" encoding="utf-8"?>
 <p:sldMaster xmlns:a="http://schemas.openxmlformats.org/drawingml/2006/main" xmlns:r="http://schemas.openxmlformats.org/officeDocument/2006/relationships" xmlns:p14="http://schemas.microsoft.com/office/powerpoint/2010/main" xmlns:p15="http://schemas.microsoft.com/office/powerpoint/2012/main" xmlns:p="http://schemas.openxmlformats.org/presentationml/2006/main">
-  <p:cSld name="">
+  <p:cSld>
     <p:bg>
       <p:bgRef idx="1001">
         <a:schemeClr val="bg1"/>
@@ -2486,10 +2486,10 @@
           <a:lstStyle/>
           <a:p>
             <a:r>
-              <a:rPr lang="en-US" smtClean="0" smtId="4294967295"/>
+              <a:rPr lang="en-US" smtClean="0"/>
               <a:t>Click to edit Master title style</a:t>
             </a:r>
-            <a:endParaRPr lang="en-US" smtId="4294967295"/>
+            <a:endParaRPr lang="en-US"/>
           </a:p>
         </p:txBody>
       </p:sp>
@@ -2519,38 +2519,38 @@
           <a:lstStyle/>
           <a:p>
             <a:r>
-              <a:rPr lang="en-US" smtClean="0" smtId="4294967295"/>
+              <a:rPr lang="en-US" smtClean="0"/>
               <a:t>Click to edit Master text styles</a:t>
             </a:r>
           </a:p>
           <a:p>
             <a:pPr lvl="1"/>
             <a:r>
-              <a:rPr lang="en-US" smtClean="0" smtId="4294967295"/>
+              <a:rPr lang="en-US" smtClean="0"/>
               <a:t>Second level</a:t>
             </a:r>
           </a:p>
           <a:p>
             <a:pPr lvl="2"/>
             <a:r>
-              <a:rPr lang="en-US" smtClean="0" smtId="4294967295"/>
+              <a:rPr lang="en-US" smtClean="0"/>
               <a:t>Third level</a:t>
             </a:r>
           </a:p>
           <a:p>
             <a:pPr lvl="3"/>
             <a:r>
-              <a:rPr lang="en-US" smtClean="0" smtId="4294967295"/>
+              <a:rPr lang="en-US" smtClean="0"/>
               <a:t>Fourth level</a:t>
             </a:r>
           </a:p>
           <a:p>
             <a:pPr lvl="4"/>
             <a:r>
-              <a:rPr lang="en-US" smtClean="0" smtId="4294967295"/>
+              <a:rPr lang="en-US" smtClean="0"/>
               <a:t>Fifth level</a:t>
             </a:r>
-            <a:endParaRPr lang="en-US" smtId="4294967295"/>
+            <a:endParaRPr lang="en-US"/>
           </a:p>
         </p:txBody>
       </p:sp>
@@ -2577,7 +2577,7 @@
           <a:bodyPr vert="horz" lIns="91440" tIns="45720" rIns="91440" bIns="45720" rtlCol="0" anchor="ctr"/>
           <a:lstStyle>
             <a:lvl1pPr algn="l">
-              <a:defRPr sz="1200" smtId="4294967295">
+              <a:defRPr sz="1200">
                 <a:solidFill>
                   <a:schemeClr val="tx1">
                     <a:tint val="75000"/>
@@ -2588,10 +2588,10 @@
           </a:lstStyle>
           <a:p>
             <a:fld id="{E8FD0B7A-F5DD-4F40-B4CB-3B2C354B893A}" type="datetimeFigureOut">
-              <a:rPr lang="en-US" smtClean="0" smtId="4294967295"/>
+              <a:rPr lang="en-US" smtClean="0"/>
               <a:t>11/7/2009</a:t>
             </a:fld>
-            <a:endParaRPr lang="en-US" smtId="4294967295"/>
+            <a:endParaRPr lang="en-US"/>
           </a:p>
         </p:txBody>
       </p:sp>
@@ -2618,7 +2618,7 @@
           <a:bodyPr vert="horz" lIns="91440" tIns="45720" rIns="91440" bIns="45720" rtlCol="0" anchor="ctr"/>
           <a:lstStyle>
             <a:lvl1pPr algn="ctr">
-              <a:defRPr sz="1200" smtId="4294967295">
+              <a:defRPr sz="1200">
                 <a:solidFill>
                   <a:schemeClr val="tx1">
                     <a:tint val="75000"/>
@@ -2628,7 +2628,7 @@
             </a:lvl1pPr>
           </a:lstStyle>
           <a:p>
-            <a:endParaRPr lang="en-US" smtId="4294967295"/>
+            <a:endParaRPr lang="en-US"/>
           </a:p>
         </p:txBody>
       </p:sp>
@@ -2655,7 +2655,7 @@
           <a:bodyPr vert="horz" lIns="91440" tIns="45720" rIns="91440" bIns="45720" rtlCol="0" anchor="ctr"/>
           <a:lstStyle>
             <a:lvl1pPr algn="r">
-              <a:defRPr sz="1200" smtId="4294967295">
+              <a:defRPr sz="1200">
                 <a:solidFill>
                   <a:schemeClr val="tx1">
                     <a:tint val="75000"/>
@@ -2666,10 +2666,10 @@
           </a:lstStyle>
           <a:p>
             <a:fld id="{93AE1883-0942-4AA3-9DB2-9C7C3A0314B1}" type="slidenum">
-              <a:rPr lang="en-US" smtClean="0" smtId="4294967295"/>
+              <a:rPr lang="en-US" smtClean="0"/>
               <a:t>‹#›</a:t>
             </a:fld>
-            <a:endParaRPr lang="en-US" smtId="4294967295"/>
+            <a:endParaRPr lang="en-US"/>
           </a:p>
         </p:txBody>
       </p:sp>
@@ -2698,7 +2698,7 @@
           <a:spcPct val="0"/>
         </a:spcBef>
         <a:buNone/>
-        <a:defRPr sz="4400" kern="1200" smtId="4294967295">
+        <a:defRPr sz="4400" kern="1200">
           <a:solidFill>
             <a:schemeClr val="tx1"/>
           </a:solidFill>
@@ -2715,7 +2715,7 @@
         </a:spcBef>
         <a:buFont typeface="Arial" pitchFamily="34" charset="0"/>
         <a:buChar char="•"/>
-        <a:defRPr sz="3200" kern="1200" smtId="4294967295">
+        <a:defRPr sz="3200" kern="1200">
           <a:solidFill>
             <a:schemeClr val="tx1"/>
           </a:solidFill>
@@ -2730,7 +2730,7 @@
         </a:spcBef>
         <a:buFont typeface="Arial" pitchFamily="34" charset="0"/>
         <a:buChar char="–"/>
-        <a:defRPr sz="2800" kern="1200" smtId="4294967295">
+        <a:defRPr sz="2800" kern="1200">
           <a:solidFill>
             <a:schemeClr val="tx1"/>
           </a:solidFill>
@@ -2745,7 +2745,7 @@
         </a:spcBef>
         <a:buFont typeface="Arial" pitchFamily="34" charset="0"/>
         <a:buChar char="•"/>
-        <a:defRPr sz="2400" kern="1200" smtId="4294967295">
+        <a:defRPr sz="2400" kern="1200">
           <a:solidFill>
             <a:schemeClr val="tx1"/>
           </a:solidFill>
@@ -2760,7 +2760,7 @@
         </a:spcBef>
         <a:buFont typeface="Arial" pitchFamily="34" charset="0"/>
         <a:buChar char="–"/>
-        <a:defRPr sz="2000" kern="1200" smtId="4294967295">
+        <a:defRPr sz="2000" kern="1200">
           <a:solidFill>
             <a:schemeClr val="tx1"/>
           </a:solidFill>
@@ -2775,7 +2775,7 @@
         </a:spcBef>
         <a:buFont typeface="Arial" pitchFamily="34" charset="0"/>
         <a:buChar char="»"/>
-        <a:defRPr sz="2000" kern="1200" smtId="4294967295">
+        <a:defRPr sz="2000" kern="1200">
           <a:solidFill>
             <a:schemeClr val="tx1"/>
           </a:solidFill>
@@ -2790,7 +2790,7 @@
         </a:spcBef>
         <a:buFont typeface="Arial" pitchFamily="34" charset="0"/>
         <a:buChar char="•"/>
-        <a:defRPr sz="2000" kern="1200" smtId="4294967295">
+        <a:defRPr sz="2000" kern="1200">
           <a:solidFill>
             <a:schemeClr val="tx1"/>
           </a:solidFill>
@@ -2805,7 +2805,7 @@
         </a:spcBef>
         <a:buFont typeface="Arial" pitchFamily="34" charset="0"/>
         <a:buChar char="•"/>
-        <a:defRPr sz="2000" kern="1200" smtId="4294967295">
+        <a:defRPr sz="2000" kern="1200">
           <a:solidFill>
             <a:schemeClr val="tx1"/>
           </a:solidFill>
@@ -2820,7 +2820,7 @@
         </a:spcBef>
         <a:buFont typeface="Arial" pitchFamily="34" charset="0"/>
         <a:buChar char="•"/>
-        <a:defRPr sz="2000" kern="1200" smtId="4294967295">
+        <a:defRPr sz="2000" kern="1200">
           <a:solidFill>
             <a:schemeClr val="tx1"/>
           </a:solidFill>
@@ -2835,7 +2835,7 @@
         </a:spcBef>
         <a:buFont typeface="Arial" pitchFamily="34" charset="0"/>
         <a:buChar char="•"/>
-        <a:defRPr sz="2000" kern="1200" smtId="4294967295">
+        <a:defRPr sz="2000" kern="1200">
           <a:solidFill>
             <a:schemeClr val="tx1"/>
           </a:solidFill>
@@ -2847,10 +2847,10 @@
     </p:bodyStyle>
     <p:otherStyle>
       <a:defPPr>
-        <a:defRPr lang="en-US" smtId="4294967295"/>
+        <a:defRPr lang="en-US"/>
       </a:defPPr>
       <a:lvl1pPr marL="0" algn="l" defTabSz="914400" rtl="0" eaLnBrk="1" latinLnBrk="0" hangingPunct="1">
-        <a:defRPr sz="1800" kern="1200" smtId="4294967295">
+        <a:defRPr sz="1800" kern="1200">
           <a:solidFill>
             <a:schemeClr val="tx1"/>
           </a:solidFill>
@@ -2860,7 +2860,7 @@
         </a:defRPr>
       </a:lvl1pPr>
       <a:lvl2pPr marL="457200" algn="l" defTabSz="914400" rtl="0" eaLnBrk="1" latinLnBrk="0" hangingPunct="1">
-        <a:defRPr sz="1800" kern="1200" smtId="4294967295">
+        <a:defRPr sz="1800" kern="1200">
           <a:solidFill>
             <a:schemeClr val="tx1"/>
           </a:solidFill>
@@ -2870,7 +2870,7 @@
         </a:defRPr>
       </a:lvl2pPr>
       <a:lvl3pPr marL="914400" algn="l" defTabSz="914400" rtl="0" eaLnBrk="1" latinLnBrk="0" hangingPunct="1">
-        <a:defRPr sz="1800" kern="1200" smtId="4294967295">
+        <a:defRPr sz="1800" kern="1200">
           <a:solidFill>
             <a:schemeClr val="tx1"/>
           </a:solidFill>
@@ -2880,7 +2880,7 @@
         </a:defRPr>
       </a:lvl3pPr>
       <a:lvl4pPr marL="1371600" algn="l" defTabSz="914400" rtl="0" eaLnBrk="1" latinLnBrk="0" hangingPunct="1">
-        <a:defRPr sz="1800" kern="1200" smtId="4294967295">
+        <a:defRPr sz="1800" kern="1200">
           <a:solidFill>
             <a:schemeClr val="tx1"/>
           </a:solidFill>
@@ -2890,7 +2890,7 @@
         </a:defRPr>
       </a:lvl4pPr>
       <a:lvl5pPr marL="1828800" algn="l" defTabSz="914400" rtl="0" eaLnBrk="1" latinLnBrk="0" hangingPunct="1">
-        <a:defRPr sz="1800" kern="1200" smtId="4294967295">
+        <a:defRPr sz="1800" kern="1200">
           <a:solidFill>
             <a:schemeClr val="tx1"/>
           </a:solidFill>
@@ -2900,7 +2900,7 @@
         </a:defRPr>
       </a:lvl5pPr>
       <a:lvl6pPr marL="2286000" algn="l" defTabSz="914400" rtl="0" eaLnBrk="1" latinLnBrk="0" hangingPunct="1">
-        <a:defRPr sz="1800" kern="1200" smtId="4294967295">
+        <a:defRPr sz="1800" kern="1200">
           <a:solidFill>
             <a:schemeClr val="tx1"/>
           </a:solidFill>
@@ -2910,7 +2910,7 @@
         </a:defRPr>
       </a:lvl6pPr>
       <a:lvl7pPr marL="2743200" algn="l" defTabSz="914400" rtl="0" eaLnBrk="1" latinLnBrk="0" hangingPunct="1">
-        <a:defRPr sz="1800" kern="1200" smtId="4294967295">
+        <a:defRPr sz="1800" kern="1200">
           <a:solidFill>
             <a:schemeClr val="tx1"/>
           </a:solidFill>
@@ -2920,7 +2920,7 @@
         </a:defRPr>
       </a:lvl7pPr>
       <a:lvl8pPr marL="3200400" algn="l" defTabSz="914400" rtl="0" eaLnBrk="1" latinLnBrk="0" hangingPunct="1">
-        <a:defRPr sz="1800" kern="1200" smtId="4294967295">
+        <a:defRPr sz="1800" kern="1200">
           <a:solidFill>
             <a:schemeClr val="tx1"/>
           </a:solidFill>
@@ -2930,7 +2930,7 @@
         </a:defRPr>
       </a:lvl8pPr>
       <a:lvl9pPr marL="3657600" algn="l" defTabSz="914400" rtl="0" eaLnBrk="1" latinLnBrk="0" hangingPunct="1">
-        <a:defRPr sz="1800" kern="1200" smtId="4294967295">
+        <a:defRPr sz="1800" kern="1200">
           <a:solidFill>
             <a:schemeClr val="tx1"/>
           </a:solidFill>
@@ -3019,13 +3019,13 @@
           <a:p>
             <a:pPr algn="ctr"/>
             <a:r>
-              <a:t>Created with Aspose.Slides for Java 16.5.0.0.</a:t>
+              <a:t>Created with Aspose.Slides for Java 17.12.</a:t>
             </a:r>
           </a:p>
           <a:p>
             <a:pPr algn="ctr"/>
             <a:r>
-              <a:t>Copyright 2004-2016 Aspose Pty Ltd.</a:t>
+              <a:t>Copyright 2004-2017 Aspose Pty Ltd.</a:t>
             </a:r>
           </a:p>
         </p:txBody>
@@ -3077,10 +3077,10 @@
 
 <file path=ppt/tags/tag1.xml><?xml version="1.0" encoding="utf-8"?>
 <p:tagLst xmlns:p="http://schemas.openxmlformats.org/presentationml/2006/main">
-  <p:tag name="AS_OS" val="Mac OS X 10.11 unknown"/>
-  <p:tag name="AS_RELEASE_DATE" val="2016.06.11"/>
+  <p:tag name="AS_OS" val="Microsoft Windows NT 10.0"/>
+  <p:tag name="AS_RELEASE_DATE" val="2017.12.30"/>
   <p:tag name="AS_TITLE" val="Aspose.Slides for Java"/>
-  <p:tag name="AS_VERSION" val="16.5.0.0"/>
+  <p:tag name="AS_VERSION" val="17.12"/>
 </p:tagLst>
 </file>
 
@@ -3128,8 +3128,8 @@
     <a:fontScheme name="Office">
       <a:majorFont>
         <a:latin typeface="Calibri"/>
-        <a:ea typeface="Arial"/>
-        <a:cs typeface="Arial"/>
+        <a:ea typeface="Arial" pitchFamily="34" charset="0"/>
+        <a:cs typeface="Arial" pitchFamily="34" charset="0"/>
         <a:font script="Jpan" typeface="ＭＳ%20Ｐゴシック"/>
         <a:font script="Hang" typeface="맑은%20고딕"/>
         <a:font script="Hans" typeface="宋体"/>
@@ -3163,8 +3163,8 @@
       </a:majorFont>
       <a:minorFont>
         <a:latin typeface="Calibri"/>
-        <a:ea typeface="Arial"/>
-        <a:cs typeface="Arial"/>
+        <a:ea typeface="Arial" pitchFamily="34" charset="0"/>
+        <a:cs typeface="Arial" pitchFamily="34" charset="0"/>
         <a:font script="Jpan" typeface="ＭＳ%20Ｐゴシック"/>
         <a:font script="Hang" typeface="맑은%20고딕"/>
         <a:font script="Hans" typeface="宋体"/>
@@ -3205,50 +3205,48 @@
         <a:gradFill rotWithShape="1">
           <a:gsLst>
             <a:gs pos="0">
-              <a:prstClr val="burlyWood">
+              <a:schemeClr val="phClr">
                 <a:tint val="50000"/>
                 <a:satMod val="300000"/>
-              </a:prstClr>
+              </a:schemeClr>
             </a:gs>
             <a:gs pos="35000">
-              <a:prstClr val="burlyWood">
+              <a:schemeClr val="phClr">
                 <a:tint val="37000"/>
                 <a:satMod val="300000"/>
-              </a:prstClr>
+              </a:schemeClr>
             </a:gs>
             <a:gs pos="100000">
-              <a:prstClr val="burlyWood">
+              <a:schemeClr val="phClr">
                 <a:tint val="15000"/>
                 <a:satMod val="350000"/>
-              </a:prstClr>
+              </a:schemeClr>
             </a:gs>
           </a:gsLst>
           <a:lin ang="16200000" scaled="1"/>
-          <a:tileRect/>
         </a:gradFill>
         <a:gradFill rotWithShape="1">
           <a:gsLst>
             <a:gs pos="0">
-              <a:prstClr val="burlyWood">
+              <a:schemeClr val="phClr">
                 <a:shade val="51000"/>
                 <a:satMod val="130000"/>
-              </a:prstClr>
+              </a:schemeClr>
             </a:gs>
             <a:gs pos="80000">
-              <a:prstClr val="burlyWood">
+              <a:schemeClr val="phClr">
                 <a:shade val="93000"/>
                 <a:satMod val="130000"/>
-              </a:prstClr>
+              </a:schemeClr>
             </a:gs>
             <a:gs pos="100000">
-              <a:prstClr val="burlyWood">
+              <a:schemeClr val="phClr">
                 <a:shade val="94000"/>
                 <a:satMod val="135000"/>
-              </a:prstClr>
+              </a:schemeClr>
             </a:gs>
           </a:gsLst>
           <a:lin ang="16200000" scaled="0"/>
-          <a:tileRect/>
         </a:gradFill>
       </a:fillStyleLst>
       <a:lnStyleLst>
@@ -3321,49 +3319,47 @@
         <a:gradFill rotWithShape="1">
           <a:gsLst>
             <a:gs pos="0">
-              <a:prstClr val="burlyWood">
+              <a:schemeClr val="phClr">
                 <a:tint val="40000"/>
                 <a:satMod val="350000"/>
-              </a:prstClr>
+              </a:schemeClr>
             </a:gs>
             <a:gs pos="40000">
-              <a:prstClr val="burlyWood">
+              <a:schemeClr val="phClr">
                 <a:tint val="45000"/>
                 <a:shade val="99000"/>
                 <a:satMod val="350000"/>
-              </a:prstClr>
+              </a:schemeClr>
             </a:gs>
             <a:gs pos="100000">
-              <a:prstClr val="burlyWood">
+              <a:schemeClr val="phClr">
                 <a:shade val="20000"/>
                 <a:satMod val="255000"/>
-              </a:prstClr>
+              </a:schemeClr>
             </a:gs>
           </a:gsLst>
           <a:path path="circle">
             <a:fillToRect l="50000" t="-80000" r="50000" b="180000"/>
           </a:path>
-          <a:tileRect/>
         </a:gradFill>
         <a:gradFill rotWithShape="1">
           <a:gsLst>
             <a:gs pos="0">
-              <a:prstClr val="burlyWood">
+              <a:schemeClr val="phClr">
                 <a:tint val="80000"/>
                 <a:satMod val="300000"/>
-              </a:prstClr>
+              </a:schemeClr>
             </a:gs>
             <a:gs pos="100000">
-              <a:prstClr val="burlyWood">
+              <a:schemeClr val="phClr">
                 <a:shade val="30000"/>
                 <a:satMod val="200000"/>
-              </a:prstClr>
+              </a:schemeClr>
             </a:gs>
           </a:gsLst>
           <a:path path="circle">
             <a:fillToRect l="50000" t="50000" r="50000" b="50000"/>
           </a:path>
-          <a:tileRect/>
         </a:gradFill>
       </a:bgFillStyleLst>
     </a:fmtScheme>

--- a/Examples/src/main/resources/com/aspose/slides/examples/ActiveXControls/AddingMediaPlayerActiveXControlInSlides/Output.pptx
+++ b/Examples/src/main/resources/com/aspose/slides/examples/ActiveXControls/AddingMediaPlayerActiveXControlInSlides/Output.pptx
@@ -1,6 +1,6 @@
 
 <file path=ppt/presentation.xml><?xml version="1.0" encoding="utf-8"?>
-<!--Generated by Aspose.Slides for Java 17.12-->
+<!--Generated by Aspose.Slides for Java 20.3-->
 <p:presentation xmlns:r="http://schemas.openxmlformats.org/officeDocument/2006/relationships" xmlns:a="http://schemas.openxmlformats.org/drawingml/2006/main" xmlns:p="http://schemas.openxmlformats.org/presentationml/2006/main" saveSubsetFonts="1">
   <p:sldMasterIdLst>
     <p:sldMasterId id="2147483648" r:id="rId1"/>
@@ -142,7 +142,7 @@
 </file>
 
 <file path=ppt/slideLayouts/slideLayout1.xml><?xml version="1.0" encoding="utf-8"?>
-<p:sldLayout xmlns:a="http://schemas.openxmlformats.org/drawingml/2006/main" xmlns:r="http://schemas.openxmlformats.org/officeDocument/2006/relationships" xmlns:p14="http://schemas.microsoft.com/office/powerpoint/2010/main" xmlns:p15="http://schemas.microsoft.com/office/powerpoint/2012/main" xmlns:p="http://schemas.openxmlformats.org/presentationml/2006/main" type="title" preserve="1">
+<p:sldLayout xmlns:a="http://schemas.openxmlformats.org/drawingml/2006/main" xmlns:r="http://schemas.openxmlformats.org/officeDocument/2006/relationships" xmlns:m="http://schemas.openxmlformats.org/officeDocument/2006/math" xmlns:w="http://schemas.openxmlformats.org/wordprocessingml/2006/main" xmlns:wp="http://schemas.openxmlformats.org/drawingml/2006/wordprocessingDrawing" xmlns:a14="http://schemas.microsoft.com/office/drawing/2010/main" xmlns:p14="http://schemas.microsoft.com/office/powerpoint/2010/main" xmlns:p15="http://schemas.microsoft.com/office/powerpoint/2012/main" xmlns:p159="http://schemas.microsoft.com/office/powerpoint/2015/09/main" xmlns:p="http://schemas.openxmlformats.org/presentationml/2006/main" type="title" preserve="1">
   <p:cSld name="Title Slide">
     <p:spTree>
       <p:nvGrpSpPr>
@@ -308,7 +308,7 @@
           <a:bodyPr/>
           <a:lstStyle/>
           <a:p>
-            <a:fld id="{0C51B3D9-43D1-4D62-8556-8E43D0C428BF}" type="datetimeFigureOut">
+            <a:fld id="{1D4E0EB1-924F-449F-9FE2-B22EE81D9623}" type="datetimeFigureOut">
               <a:rPr lang="en-US" smtClean="0"/>
               <a:t>11/7/2009</a:t>
             </a:fld>
@@ -369,7 +369,7 @@
 </file>
 
 <file path=ppt/slideLayouts/slideLayout10.xml><?xml version="1.0" encoding="utf-8"?>
-<p:sldLayout xmlns:a="http://schemas.openxmlformats.org/drawingml/2006/main" xmlns:r="http://schemas.openxmlformats.org/officeDocument/2006/relationships" xmlns:p14="http://schemas.microsoft.com/office/powerpoint/2010/main" xmlns:p15="http://schemas.microsoft.com/office/powerpoint/2012/main" xmlns:p="http://schemas.openxmlformats.org/presentationml/2006/main" type="vertTx" preserve="1">
+<p:sldLayout xmlns:a="http://schemas.openxmlformats.org/drawingml/2006/main" xmlns:r="http://schemas.openxmlformats.org/officeDocument/2006/relationships" xmlns:m="http://schemas.openxmlformats.org/officeDocument/2006/math" xmlns:w="http://schemas.openxmlformats.org/wordprocessingml/2006/main" xmlns:wp="http://schemas.openxmlformats.org/drawingml/2006/wordprocessingDrawing" xmlns:a14="http://schemas.microsoft.com/office/drawing/2010/main" xmlns:p14="http://schemas.microsoft.com/office/powerpoint/2010/main" xmlns:p15="http://schemas.microsoft.com/office/powerpoint/2012/main" xmlns:p159="http://schemas.microsoft.com/office/powerpoint/2015/09/main" xmlns:p="http://schemas.openxmlformats.org/presentationml/2006/main" type="vertTx" preserve="1">
   <p:cSld name="Title and Vertical Text">
     <p:spTree>
       <p:nvGrpSpPr>
@@ -472,7 +472,7 @@
           <a:bodyPr/>
           <a:lstStyle/>
           <a:p>
-            <a:fld id="{90FFDEEB-B5CA-413E-818B-27E63AF9A97D}" type="datetimeFigureOut">
+            <a:fld id="{EF2DDEE8-3429-4682-87AA-3D137812C5E2}" type="datetimeFigureOut">
               <a:rPr lang="en-US" smtClean="0"/>
               <a:t>11/7/2009</a:t>
             </a:fld>
@@ -533,7 +533,7 @@
 </file>
 
 <file path=ppt/slideLayouts/slideLayout11.xml><?xml version="1.0" encoding="utf-8"?>
-<p:sldLayout xmlns:a="http://schemas.openxmlformats.org/drawingml/2006/main" xmlns:r="http://schemas.openxmlformats.org/officeDocument/2006/relationships" xmlns:p14="http://schemas.microsoft.com/office/powerpoint/2010/main" xmlns:p15="http://schemas.microsoft.com/office/powerpoint/2012/main" xmlns:p="http://schemas.openxmlformats.org/presentationml/2006/main" type="vertTitleAndTx" preserve="1">
+<p:sldLayout xmlns:a="http://schemas.openxmlformats.org/drawingml/2006/main" xmlns:r="http://schemas.openxmlformats.org/officeDocument/2006/relationships" xmlns:m="http://schemas.openxmlformats.org/officeDocument/2006/math" xmlns:w="http://schemas.openxmlformats.org/wordprocessingml/2006/main" xmlns:wp="http://schemas.openxmlformats.org/drawingml/2006/wordprocessingDrawing" xmlns:a14="http://schemas.microsoft.com/office/drawing/2010/main" xmlns:p14="http://schemas.microsoft.com/office/powerpoint/2010/main" xmlns:p15="http://schemas.microsoft.com/office/powerpoint/2012/main" xmlns:p159="http://schemas.microsoft.com/office/powerpoint/2015/09/main" xmlns:p="http://schemas.openxmlformats.org/presentationml/2006/main" type="vertTitleAndTx" preserve="1">
   <p:cSld name="Vertical Title and Text">
     <p:spTree>
       <p:nvGrpSpPr>
@@ -636,7 +636,7 @@
           <a:bodyPr/>
           <a:lstStyle/>
           <a:p>
-            <a:fld id="{86FA58A9-A2D4-482D-8E34-293BF9B5299B}" type="datetimeFigureOut">
+            <a:fld id="{6BDE3000-D9F3-426C-9701-5CA1119C6696}" type="datetimeFigureOut">
               <a:rPr lang="en-US" smtClean="0"/>
               <a:t>11/7/2009</a:t>
             </a:fld>
@@ -697,7 +697,7 @@
 </file>
 
 <file path=ppt/slideLayouts/slideLayout2.xml><?xml version="1.0" encoding="utf-8"?>
-<p:sldLayout xmlns:a="http://schemas.openxmlformats.org/drawingml/2006/main" xmlns:r="http://schemas.openxmlformats.org/officeDocument/2006/relationships" xmlns:p14="http://schemas.microsoft.com/office/powerpoint/2010/main" xmlns:p15="http://schemas.microsoft.com/office/powerpoint/2012/main" xmlns:p="http://schemas.openxmlformats.org/presentationml/2006/main" type="obj" preserve="1">
+<p:sldLayout xmlns:a="http://schemas.openxmlformats.org/drawingml/2006/main" xmlns:r="http://schemas.openxmlformats.org/officeDocument/2006/relationships" xmlns:m="http://schemas.openxmlformats.org/officeDocument/2006/math" xmlns:w="http://schemas.openxmlformats.org/wordprocessingml/2006/main" xmlns:wp="http://schemas.openxmlformats.org/drawingml/2006/wordprocessingDrawing" xmlns:a14="http://schemas.microsoft.com/office/drawing/2010/main" xmlns:p14="http://schemas.microsoft.com/office/powerpoint/2010/main" xmlns:p15="http://schemas.microsoft.com/office/powerpoint/2012/main" xmlns:p159="http://schemas.microsoft.com/office/powerpoint/2015/09/main" xmlns:p="http://schemas.openxmlformats.org/presentationml/2006/main" type="obj" preserve="1">
   <p:cSld name="Title and Content">
     <p:spTree>
       <p:nvGrpSpPr>
@@ -800,7 +800,7 @@
           <a:bodyPr/>
           <a:lstStyle/>
           <a:p>
-            <a:fld id="{ABA7B1DD-B7DF-42FF-B6A9-2EA205967D80}" type="datetimeFigureOut">
+            <a:fld id="{CFBD66B2-1867-4468-985B-EA0F56919FB4}" type="datetimeFigureOut">
               <a:rPr lang="en-US" smtClean="0"/>
               <a:t>11/7/2009</a:t>
             </a:fld>
@@ -861,7 +861,7 @@
 </file>
 
 <file path=ppt/slideLayouts/slideLayout3.xml><?xml version="1.0" encoding="utf-8"?>
-<p:sldLayout xmlns:a="http://schemas.openxmlformats.org/drawingml/2006/main" xmlns:r="http://schemas.openxmlformats.org/officeDocument/2006/relationships" xmlns:p14="http://schemas.microsoft.com/office/powerpoint/2010/main" xmlns:p15="http://schemas.microsoft.com/office/powerpoint/2012/main" xmlns:p="http://schemas.openxmlformats.org/presentationml/2006/main" type="secHead" preserve="1">
+<p:sldLayout xmlns:a="http://schemas.openxmlformats.org/drawingml/2006/main" xmlns:r="http://schemas.openxmlformats.org/officeDocument/2006/relationships" xmlns:m="http://schemas.openxmlformats.org/officeDocument/2006/math" xmlns:w="http://schemas.openxmlformats.org/wordprocessingml/2006/main" xmlns:wp="http://schemas.openxmlformats.org/drawingml/2006/wordprocessingDrawing" xmlns:a14="http://schemas.microsoft.com/office/drawing/2010/main" xmlns:p14="http://schemas.microsoft.com/office/powerpoint/2010/main" xmlns:p15="http://schemas.microsoft.com/office/powerpoint/2012/main" xmlns:p159="http://schemas.microsoft.com/office/powerpoint/2015/09/main" xmlns:p="http://schemas.openxmlformats.org/presentationml/2006/main" type="secHead" preserve="1">
   <p:cSld name="Section Header">
     <p:spTree>
       <p:nvGrpSpPr>
@@ -1030,7 +1030,7 @@
           <a:bodyPr/>
           <a:lstStyle/>
           <a:p>
-            <a:fld id="{FCDAC49D-96BD-41B2-AEB1-765C6B7A7D88}" type="datetimeFigureOut">
+            <a:fld id="{257A853F-DE07-434A-8FBF-27E7475F2099}" type="datetimeFigureOut">
               <a:rPr lang="en-US" smtClean="0"/>
               <a:t>11/7/2009</a:t>
             </a:fld>
@@ -1091,7 +1091,7 @@
 </file>
 
 <file path=ppt/slideLayouts/slideLayout4.xml><?xml version="1.0" encoding="utf-8"?>
-<p:sldLayout xmlns:a="http://schemas.openxmlformats.org/drawingml/2006/main" xmlns:r="http://schemas.openxmlformats.org/officeDocument/2006/relationships" xmlns:p14="http://schemas.microsoft.com/office/powerpoint/2010/main" xmlns:p15="http://schemas.microsoft.com/office/powerpoint/2012/main" xmlns:p="http://schemas.openxmlformats.org/presentationml/2006/main" type="twoObj" preserve="1">
+<p:sldLayout xmlns:a="http://schemas.openxmlformats.org/drawingml/2006/main" xmlns:r="http://schemas.openxmlformats.org/officeDocument/2006/relationships" xmlns:m="http://schemas.openxmlformats.org/officeDocument/2006/math" xmlns:w="http://schemas.openxmlformats.org/wordprocessingml/2006/main" xmlns:wp="http://schemas.openxmlformats.org/drawingml/2006/wordprocessingDrawing" xmlns:a14="http://schemas.microsoft.com/office/drawing/2010/main" xmlns:p14="http://schemas.microsoft.com/office/powerpoint/2010/main" xmlns:p15="http://schemas.microsoft.com/office/powerpoint/2012/main" xmlns:p159="http://schemas.microsoft.com/office/powerpoint/2015/09/main" xmlns:p="http://schemas.openxmlformats.org/presentationml/2006/main" type="twoObj" preserve="1">
   <p:cSld name="Two Content">
     <p:spTree>
       <p:nvGrpSpPr>
@@ -1301,7 +1301,7 @@
           <a:bodyPr/>
           <a:lstStyle/>
           <a:p>
-            <a:fld id="{92A51040-87E3-422A-830D-53F47E1C8CA2}" type="datetimeFigureOut">
+            <a:fld id="{E6826961-D1B6-47A3-91F8-A42E1CF927F6}" type="datetimeFigureOut">
               <a:rPr lang="en-US" smtClean="0"/>
               <a:t>11/7/2009</a:t>
             </a:fld>
@@ -1362,7 +1362,7 @@
 </file>
 
 <file path=ppt/slideLayouts/slideLayout5.xml><?xml version="1.0" encoding="utf-8"?>
-<p:sldLayout xmlns:a="http://schemas.openxmlformats.org/drawingml/2006/main" xmlns:r="http://schemas.openxmlformats.org/officeDocument/2006/relationships" xmlns:p14="http://schemas.microsoft.com/office/powerpoint/2010/main" xmlns:p15="http://schemas.microsoft.com/office/powerpoint/2012/main" xmlns:p="http://schemas.openxmlformats.org/presentationml/2006/main" type="twoTxTwoObj" preserve="1">
+<p:sldLayout xmlns:a="http://schemas.openxmlformats.org/drawingml/2006/main" xmlns:r="http://schemas.openxmlformats.org/officeDocument/2006/relationships" xmlns:m="http://schemas.openxmlformats.org/officeDocument/2006/math" xmlns:w="http://schemas.openxmlformats.org/wordprocessingml/2006/main" xmlns:wp="http://schemas.openxmlformats.org/drawingml/2006/wordprocessingDrawing" xmlns:a14="http://schemas.microsoft.com/office/drawing/2010/main" xmlns:p14="http://schemas.microsoft.com/office/powerpoint/2010/main" xmlns:p15="http://schemas.microsoft.com/office/powerpoint/2012/main" xmlns:p159="http://schemas.microsoft.com/office/powerpoint/2015/09/main" xmlns:p="http://schemas.openxmlformats.org/presentationml/2006/main" type="twoTxTwoObj" preserve="1">
   <p:cSld name="Comparison">
     <p:spTree>
       <p:nvGrpSpPr>
@@ -1690,7 +1690,7 @@
           <a:bodyPr/>
           <a:lstStyle/>
           <a:p>
-            <a:fld id="{89344626-413D-4622-998C-971B4E272522}" type="datetimeFigureOut">
+            <a:fld id="{A8DB4EDB-31BF-4ABE-8695-4D04D1B92A8A}" type="datetimeFigureOut">
               <a:rPr lang="en-US" smtClean="0"/>
               <a:t>11/7/2009</a:t>
             </a:fld>
@@ -1751,7 +1751,7 @@
 </file>
 
 <file path=ppt/slideLayouts/slideLayout6.xml><?xml version="1.0" encoding="utf-8"?>
-<p:sldLayout xmlns:a="http://schemas.openxmlformats.org/drawingml/2006/main" xmlns:r="http://schemas.openxmlformats.org/officeDocument/2006/relationships" xmlns:p14="http://schemas.microsoft.com/office/powerpoint/2010/main" xmlns:p15="http://schemas.microsoft.com/office/powerpoint/2012/main" xmlns:p="http://schemas.openxmlformats.org/presentationml/2006/main" type="titleOnly" preserve="1">
+<p:sldLayout xmlns:a="http://schemas.openxmlformats.org/drawingml/2006/main" xmlns:r="http://schemas.openxmlformats.org/officeDocument/2006/relationships" xmlns:m="http://schemas.openxmlformats.org/officeDocument/2006/math" xmlns:w="http://schemas.openxmlformats.org/wordprocessingml/2006/main" xmlns:wp="http://schemas.openxmlformats.org/drawingml/2006/wordprocessingDrawing" xmlns:a14="http://schemas.microsoft.com/office/drawing/2010/main" xmlns:p14="http://schemas.microsoft.com/office/powerpoint/2010/main" xmlns:p15="http://schemas.microsoft.com/office/powerpoint/2012/main" xmlns:p159="http://schemas.microsoft.com/office/powerpoint/2015/09/main" xmlns:p="http://schemas.openxmlformats.org/presentationml/2006/main" type="titleOnly" preserve="1">
   <p:cSld name="Title Only">
     <p:spTree>
       <p:nvGrpSpPr>
@@ -1803,7 +1803,7 @@
           <a:bodyPr/>
           <a:lstStyle/>
           <a:p>
-            <a:fld id="{850E18C3-62F0-4EBB-8FD7-E4D9907C02C3}" type="datetimeFigureOut">
+            <a:fld id="{74D46A8D-676A-4D70-ADD6-57053F8F8F53}" type="datetimeFigureOut">
               <a:rPr lang="en-US" smtClean="0"/>
               <a:t>11/7/2009</a:t>
             </a:fld>
@@ -1864,7 +1864,7 @@
 </file>
 
 <file path=ppt/slideLayouts/slideLayout7.xml><?xml version="1.0" encoding="utf-8"?>
-<p:sldLayout xmlns:a="http://schemas.openxmlformats.org/drawingml/2006/main" xmlns:r="http://schemas.openxmlformats.org/officeDocument/2006/relationships" xmlns:p14="http://schemas.microsoft.com/office/powerpoint/2010/main" xmlns:p15="http://schemas.microsoft.com/office/powerpoint/2012/main" xmlns:p="http://schemas.openxmlformats.org/presentationml/2006/main" type="blank" preserve="1">
+<p:sldLayout xmlns:a="http://schemas.openxmlformats.org/drawingml/2006/main" xmlns:r="http://schemas.openxmlformats.org/officeDocument/2006/relationships" xmlns:m="http://schemas.openxmlformats.org/officeDocument/2006/math" xmlns:w="http://schemas.openxmlformats.org/wordprocessingml/2006/main" xmlns:wp="http://schemas.openxmlformats.org/drawingml/2006/wordprocessingDrawing" xmlns:a14="http://schemas.microsoft.com/office/drawing/2010/main" xmlns:p14="http://schemas.microsoft.com/office/powerpoint/2010/main" xmlns:p15="http://schemas.microsoft.com/office/powerpoint/2012/main" xmlns:p159="http://schemas.microsoft.com/office/powerpoint/2015/09/main" xmlns:p="http://schemas.openxmlformats.org/presentationml/2006/main" type="blank" preserve="1">
   <p:cSld name="Blank">
     <p:spTree>
       <p:nvGrpSpPr>
@@ -1893,7 +1893,7 @@
           <a:bodyPr/>
           <a:lstStyle/>
           <a:p>
-            <a:fld id="{0D06C162-389E-45DE-91D3-72158723FB2E}" type="datetimeFigureOut">
+            <a:fld id="{9149DDF5-FE41-43FC-8B80-B3F5AF1299F5}" type="datetimeFigureOut">
               <a:rPr lang="en-US" smtClean="0"/>
               <a:t>11/7/2009</a:t>
             </a:fld>
@@ -1954,7 +1954,7 @@
 </file>
 
 <file path=ppt/slideLayouts/slideLayout8.xml><?xml version="1.0" encoding="utf-8"?>
-<p:sldLayout xmlns:a="http://schemas.openxmlformats.org/drawingml/2006/main" xmlns:r="http://schemas.openxmlformats.org/officeDocument/2006/relationships" xmlns:p14="http://schemas.microsoft.com/office/powerpoint/2010/main" xmlns:p15="http://schemas.microsoft.com/office/powerpoint/2012/main" xmlns:p="http://schemas.openxmlformats.org/presentationml/2006/main" type="objTx" preserve="1">
+<p:sldLayout xmlns:a="http://schemas.openxmlformats.org/drawingml/2006/main" xmlns:r="http://schemas.openxmlformats.org/officeDocument/2006/relationships" xmlns:m="http://schemas.openxmlformats.org/officeDocument/2006/math" xmlns:w="http://schemas.openxmlformats.org/wordprocessingml/2006/main" xmlns:wp="http://schemas.openxmlformats.org/drawingml/2006/wordprocessingDrawing" xmlns:a14="http://schemas.microsoft.com/office/drawing/2010/main" xmlns:p14="http://schemas.microsoft.com/office/powerpoint/2010/main" xmlns:p15="http://schemas.microsoft.com/office/powerpoint/2012/main" xmlns:p159="http://schemas.microsoft.com/office/powerpoint/2015/09/main" xmlns:p="http://schemas.openxmlformats.org/presentationml/2006/main" type="objTx" preserve="1">
   <p:cSld name="Content with Caption">
     <p:spTree>
       <p:nvGrpSpPr>
@@ -2148,7 +2148,7 @@
           <a:bodyPr/>
           <a:lstStyle/>
           <a:p>
-            <a:fld id="{78CEDB88-30CE-4910-AD6B-549F42421DA7}" type="datetimeFigureOut">
+            <a:fld id="{6E6F1D05-92E1-4870-BF1F-C241348AE513}" type="datetimeFigureOut">
               <a:rPr lang="en-US" smtClean="0"/>
               <a:t>11/7/2009</a:t>
             </a:fld>
@@ -2209,7 +2209,7 @@
 </file>
 
 <file path=ppt/slideLayouts/slideLayout9.xml><?xml version="1.0" encoding="utf-8"?>
-<p:sldLayout xmlns:a="http://schemas.openxmlformats.org/drawingml/2006/main" xmlns:r="http://schemas.openxmlformats.org/officeDocument/2006/relationships" xmlns:p14="http://schemas.microsoft.com/office/powerpoint/2010/main" xmlns:p15="http://schemas.microsoft.com/office/powerpoint/2012/main" xmlns:p="http://schemas.openxmlformats.org/presentationml/2006/main" type="picTx" preserve="1">
+<p:sldLayout xmlns:a="http://schemas.openxmlformats.org/drawingml/2006/main" xmlns:r="http://schemas.openxmlformats.org/officeDocument/2006/relationships" xmlns:m="http://schemas.openxmlformats.org/officeDocument/2006/math" xmlns:w="http://schemas.openxmlformats.org/wordprocessingml/2006/main" xmlns:wp="http://schemas.openxmlformats.org/drawingml/2006/wordprocessingDrawing" xmlns:a14="http://schemas.microsoft.com/office/drawing/2010/main" xmlns:p14="http://schemas.microsoft.com/office/powerpoint/2010/main" xmlns:p15="http://schemas.microsoft.com/office/powerpoint/2012/main" xmlns:p159="http://schemas.microsoft.com/office/powerpoint/2015/09/main" xmlns:p="http://schemas.openxmlformats.org/presentationml/2006/main" type="picTx" preserve="1">
   <p:cSld name="Picture with Caption">
     <p:spTree>
       <p:nvGrpSpPr>
@@ -2380,7 +2380,7 @@
           <a:bodyPr/>
           <a:lstStyle/>
           <a:p>
-            <a:fld id="{F871A803-4969-4D33-AC9B-BCFADADF8919}" type="datetimeFigureOut">
+            <a:fld id="{4F012403-DAB3-4870-9D8E-06FC0A0E38A9}" type="datetimeFigureOut">
               <a:rPr lang="en-US" smtClean="0"/>
               <a:t>11/7/2009</a:t>
             </a:fld>
@@ -2441,7 +2441,7 @@
 </file>
 
 <file path=ppt/slideMasters/slideMaster1.xml><?xml version="1.0" encoding="utf-8"?>
-<p:sldMaster xmlns:a="http://schemas.openxmlformats.org/drawingml/2006/main" xmlns:r="http://schemas.openxmlformats.org/officeDocument/2006/relationships" xmlns:p14="http://schemas.microsoft.com/office/powerpoint/2010/main" xmlns:p15="http://schemas.microsoft.com/office/powerpoint/2012/main" xmlns:p="http://schemas.openxmlformats.org/presentationml/2006/main">
+<p:sldMaster xmlns:a="http://schemas.openxmlformats.org/drawingml/2006/main" xmlns:r="http://schemas.openxmlformats.org/officeDocument/2006/relationships" xmlns:m="http://schemas.openxmlformats.org/officeDocument/2006/math" xmlns:w="http://schemas.openxmlformats.org/wordprocessingml/2006/main" xmlns:wp="http://schemas.openxmlformats.org/drawingml/2006/wordprocessingDrawing" xmlns:a14="http://schemas.microsoft.com/office/drawing/2010/main" xmlns:p14="http://schemas.microsoft.com/office/powerpoint/2010/main" xmlns:p15="http://schemas.microsoft.com/office/powerpoint/2012/main" xmlns:p159="http://schemas.microsoft.com/office/powerpoint/2015/09/main" xmlns:p="http://schemas.openxmlformats.org/presentationml/2006/main">
   <p:cSld>
     <p:bg>
       <p:bgRef idx="1001">
@@ -2945,7 +2945,7 @@
 </file>
 
 <file path=ppt/slides/slide1.xml><?xml version="1.0" encoding="utf-8"?>
-<p:sld xmlns:a="http://schemas.openxmlformats.org/drawingml/2006/main" xmlns:r="http://schemas.openxmlformats.org/officeDocument/2006/relationships" xmlns:p14="http://schemas.microsoft.com/office/powerpoint/2010/main" xmlns:p15="http://schemas.microsoft.com/office/powerpoint/2012/main" xmlns:p="http://schemas.openxmlformats.org/presentationml/2006/main">
+<p:sld xmlns:a="http://schemas.openxmlformats.org/drawingml/2006/main" xmlns:r="http://schemas.openxmlformats.org/officeDocument/2006/relationships" xmlns:m="http://schemas.openxmlformats.org/officeDocument/2006/math" xmlns:w="http://schemas.openxmlformats.org/wordprocessingml/2006/main" xmlns:wp="http://schemas.openxmlformats.org/drawingml/2006/wordprocessingDrawing" xmlns:a14="http://schemas.microsoft.com/office/drawing/2010/main" xmlns:p14="http://schemas.microsoft.com/office/powerpoint/2010/main" xmlns:p15="http://schemas.microsoft.com/office/powerpoint/2012/main" xmlns:p159="http://schemas.microsoft.com/office/powerpoint/2015/09/main" xmlns:p="http://schemas.openxmlformats.org/presentationml/2006/main">
   <p:cSld name="">
     <p:spTree>
       <p:nvGrpSpPr>
@@ -3019,13 +3019,13 @@
           <a:p>
             <a:pPr algn="ctr"/>
             <a:r>
-              <a:t>Created with Aspose.Slides for Java 17.12.</a:t>
+              <a:t>Created with Aspose.Slides for Java 20.3.</a:t>
             </a:r>
           </a:p>
           <a:p>
             <a:pPr algn="ctr"/>
             <a:r>
-              <a:t>Copyright 2004-2017 Aspose Pty Ltd.</a:t>
+              <a:t>Copyright 2004-2020 Aspose Pty Ltd.</a:t>
             </a:r>
           </a:p>
         </p:txBody>
@@ -3077,10 +3077,10 @@
 
 <file path=ppt/tags/tag1.xml><?xml version="1.0" encoding="utf-8"?>
 <p:tagLst xmlns:p="http://schemas.openxmlformats.org/presentationml/2006/main">
-  <p:tag name="AS_OS" val="Microsoft Windows NT 10.0"/>
-  <p:tag name="AS_RELEASE_DATE" val="2017.12.30"/>
+  <p:tag name="AS_OS" val="Microsoft Windows NT 6.1 Service Pack 1"/>
+  <p:tag name="AS_RELEASE_DATE" val="2020.03.31"/>
   <p:tag name="AS_TITLE" val="Aspose.Slides for Java"/>
-  <p:tag name="AS_VERSION" val="17.12"/>
+  <p:tag name="AS_VERSION" val="20.3"/>
 </p:tagLst>
 </file>
 
@@ -3092,7 +3092,7 @@
         <a:sysClr val="windowText" lastClr="000000"/>
       </a:dk1>
       <a:lt1>
-        <a:sysClr val="window" lastClr="FFFEFF"/>
+        <a:sysClr val="window" lastClr="FFFFFF"/>
       </a:lt1>
       <a:dk2>
         <a:srgbClr val="1F497D"/>
